--- a/Keynote/DIgitalOcean_changes.pptx
+++ b/Keynote/DIgitalOcean_changes.pptx
@@ -14,6 +14,8 @@
     <p:sldId id="259" r:id="rId11"/>
     <p:sldId id="260" r:id="rId12"/>
     <p:sldId id="261" r:id="rId13"/>
+    <p:sldId id="262" r:id="rId14"/>
+    <p:sldId id="263" r:id="rId15"/>
   </p:sldIdLst>
   <p:sldSz cx="24384000" cy="13716000"/>
   <p:notesSz cx="6858000" cy="9144000"/>
@@ -3194,7 +3196,1531 @@
       </p:grpSpPr>
       <p:sp>
         <p:nvSpPr>
-          <p:cNvPr id="123" name="Company “X”"/>
+          <p:cNvPr id="123" name="Problem Statement :…"/>
+          <p:cNvSpPr txBox="1"/>
+          <p:nvPr/>
+        </p:nvSpPr>
+        <p:spPr>
+          <a:xfrm>
+            <a:off x="781363" y="1003133"/>
+            <a:ext cx="26516875" cy="10629901"/>
+          </a:xfrm>
+          <a:prstGeom prst="rect">
+            <a:avLst/>
+          </a:prstGeom>
+          <a:ln w="12700">
+            <a:miter lim="400000"/>
+          </a:ln>
+          <a:extLst>
+            <a:ext uri="{C572A759-6A51-4108-AA02-DFA0A04FC94B}">
+              <ma14:wrappingTextBoxFlag xmlns:ma14="http://schemas.microsoft.com/office/mac/drawingml/2011/main" val="1"/>
+            </a:ext>
+          </a:extLst>
+        </p:spPr>
+        <p:txBody>
+          <a:bodyPr lIns="50800" tIns="50800" rIns="50800" bIns="50800" anchor="ctr">
+            <a:spAutoFit/>
+          </a:bodyPr>
+          <a:lstStyle/>
+          <a:p>
+            <a:pPr algn="l">
+              <a:defRPr b="1" sz="4500">
+                <a:solidFill>
+                  <a:schemeClr val="accent5">
+                    <a:lumOff val="-8774"/>
+                  </a:schemeClr>
+                </a:solidFill>
+                <a:latin typeface="American Typewriter"/>
+                <a:ea typeface="American Typewriter"/>
+                <a:cs typeface="American Typewriter"/>
+                <a:sym typeface="American Typewriter"/>
+              </a:defRPr>
+            </a:pPr>
+            <a:r>
+              <a:t>Problem Statement :</a:t>
+            </a:r>
+          </a:p>
+          <a:p>
+            <a:pPr algn="l">
+              <a:defRPr sz="2400">
+                <a:solidFill>
+                  <a:schemeClr val="accent5">
+                    <a:lumOff val="-8774"/>
+                  </a:schemeClr>
+                </a:solidFill>
+                <a:latin typeface="American Typewriter"/>
+                <a:ea typeface="American Typewriter"/>
+                <a:cs typeface="American Typewriter"/>
+                <a:sym typeface="American Typewriter"/>
+              </a:defRPr>
+            </a:pPr>
+          </a:p>
+          <a:p>
+            <a:pPr algn="l">
+              <a:defRPr b="1" sz="2200">
+                <a:solidFill>
+                  <a:srgbClr val="990D02"/>
+                </a:solidFill>
+                <a:latin typeface="American Typewriter"/>
+                <a:ea typeface="American Typewriter"/>
+                <a:cs typeface="American Typewriter"/>
+                <a:sym typeface="American Typewriter"/>
+              </a:defRPr>
+            </a:pPr>
+            <a:r>
+              <a:t>Imagine you are Mr. Shah, and this assignment has been passed over to you by the boss. You need to find a better and more effective way of mapping these insights.</a:t>
+            </a:r>
+          </a:p>
+          <a:p>
+            <a:pPr algn="l">
+              <a:defRPr b="1" sz="2200">
+                <a:solidFill>
+                  <a:srgbClr val="990D02"/>
+                </a:solidFill>
+                <a:latin typeface="American Typewriter"/>
+                <a:ea typeface="American Typewriter"/>
+                <a:cs typeface="American Typewriter"/>
+                <a:sym typeface="American Typewriter"/>
+              </a:defRPr>
+            </a:pPr>
+          </a:p>
+          <a:p>
+            <a:pPr algn="l">
+              <a:defRPr b="1" sz="2200">
+                <a:solidFill>
+                  <a:srgbClr val="990D02"/>
+                </a:solidFill>
+                <a:latin typeface="American Typewriter"/>
+                <a:ea typeface="American Typewriter"/>
+                <a:cs typeface="American Typewriter"/>
+                <a:sym typeface="American Typewriter"/>
+              </a:defRPr>
+            </a:pPr>
+            <a:r>
+              <a:t>The following is a list of parameters you can use: </a:t>
+            </a:r>
+          </a:p>
+          <a:p>
+            <a:pPr algn="l">
+              <a:defRPr b="1" sz="2200">
+                <a:solidFill>
+                  <a:srgbClr val="C44747"/>
+                </a:solidFill>
+                <a:latin typeface="American Typewriter"/>
+                <a:ea typeface="American Typewriter"/>
+                <a:cs typeface="American Typewriter"/>
+                <a:sym typeface="American Typewriter"/>
+              </a:defRPr>
+            </a:pPr>
+          </a:p>
+          <a:p>
+            <a:pPr marL="304800" indent="-304800" algn="l">
+              <a:buSzPct val="125000"/>
+              <a:buChar char="•"/>
+              <a:defRPr b="1" sz="2200">
+                <a:solidFill>
+                  <a:srgbClr val="C44747"/>
+                </a:solidFill>
+                <a:latin typeface="American Typewriter"/>
+                <a:ea typeface="American Typewriter"/>
+                <a:cs typeface="American Typewriter"/>
+                <a:sym typeface="American Typewriter"/>
+              </a:defRPr>
+            </a:pPr>
+            <a:r>
+              <a:t>Mapping down the IT industry trends over the last few years for Company X.</a:t>
+            </a:r>
+          </a:p>
+          <a:p>
+            <a:pPr marL="304800" indent="-304800" algn="l">
+              <a:buSzPct val="125000"/>
+              <a:buChar char="•"/>
+              <a:defRPr b="1" sz="2200">
+                <a:solidFill>
+                  <a:srgbClr val="C44747"/>
+                </a:solidFill>
+                <a:latin typeface="American Typewriter"/>
+                <a:ea typeface="American Typewriter"/>
+                <a:cs typeface="American Typewriter"/>
+                <a:sym typeface="American Typewriter"/>
+              </a:defRPr>
+            </a:pPr>
+          </a:p>
+          <a:p>
+            <a:pPr marL="304800" indent="-304800" algn="l">
+              <a:buSzPct val="125000"/>
+              <a:buChar char="•"/>
+              <a:defRPr b="1" sz="2200">
+                <a:solidFill>
+                  <a:srgbClr val="C44747"/>
+                </a:solidFill>
+                <a:latin typeface="American Typewriter"/>
+                <a:ea typeface="American Typewriter"/>
+                <a:cs typeface="American Typewriter"/>
+                <a:sym typeface="American Typewriter"/>
+              </a:defRPr>
+            </a:pPr>
+            <a:r>
+              <a:t>Understanding which positions will be in demand in the future so that the talent procurement for those positions can be done beforehand.</a:t>
+            </a:r>
+          </a:p>
+          <a:p>
+            <a:pPr marL="304800" indent="-304800" algn="l">
+              <a:buSzPct val="125000"/>
+              <a:buChar char="•"/>
+              <a:defRPr b="1" sz="2200">
+                <a:solidFill>
+                  <a:srgbClr val="C44747"/>
+                </a:solidFill>
+                <a:latin typeface="American Typewriter"/>
+                <a:ea typeface="American Typewriter"/>
+                <a:cs typeface="American Typewriter"/>
+                <a:sym typeface="American Typewriter"/>
+              </a:defRPr>
+            </a:pPr>
+          </a:p>
+          <a:p>
+            <a:pPr marL="304800" indent="-304800" algn="l">
+              <a:buSzPct val="125000"/>
+              <a:buChar char="•"/>
+              <a:defRPr b="1" sz="2200">
+                <a:solidFill>
+                  <a:srgbClr val="C44747"/>
+                </a:solidFill>
+                <a:latin typeface="American Typewriter"/>
+                <a:ea typeface="American Typewriter"/>
+                <a:cs typeface="American Typewriter"/>
+                <a:sym typeface="American Typewriter"/>
+              </a:defRPr>
+            </a:pPr>
+            <a:r>
+              <a:t>Creating a generalised organisational structure chart for company X to understand the recent changes company X has undergone.</a:t>
+            </a:r>
+          </a:p>
+          <a:p>
+            <a:pPr marL="304800" indent="-304800" algn="l">
+              <a:buSzPct val="125000"/>
+              <a:buChar char="•"/>
+              <a:defRPr b="1" sz="2200">
+                <a:solidFill>
+                  <a:srgbClr val="C44747"/>
+                </a:solidFill>
+                <a:latin typeface="American Typewriter"/>
+                <a:ea typeface="American Typewriter"/>
+                <a:cs typeface="American Typewriter"/>
+                <a:sym typeface="American Typewriter"/>
+              </a:defRPr>
+            </a:pPr>
+          </a:p>
+          <a:p>
+            <a:pPr marL="304800" indent="-304800" algn="l">
+              <a:buSzPct val="125000"/>
+              <a:buChar char="•"/>
+              <a:defRPr b="1" sz="2200">
+                <a:solidFill>
+                  <a:srgbClr val="C44747"/>
+                </a:solidFill>
+                <a:latin typeface="American Typewriter"/>
+                <a:ea typeface="American Typewriter"/>
+                <a:cs typeface="American Typewriter"/>
+                <a:sym typeface="American Typewriter"/>
+              </a:defRPr>
+            </a:pPr>
+            <a:r>
+              <a:t>A writeup mentioning the process, data collection methods, insights and key findings.</a:t>
+            </a:r>
+          </a:p>
+          <a:p>
+            <a:pPr algn="l">
+              <a:defRPr sz="2300">
+                <a:solidFill>
+                  <a:srgbClr val="C44747"/>
+                </a:solidFill>
+                <a:latin typeface="American Typewriter"/>
+                <a:ea typeface="American Typewriter"/>
+                <a:cs typeface="American Typewriter"/>
+                <a:sym typeface="American Typewriter"/>
+              </a:defRPr>
+            </a:pPr>
+          </a:p>
+          <a:p>
+            <a:pPr algn="l">
+              <a:defRPr sz="2400">
+                <a:solidFill>
+                  <a:srgbClr val="2DB6C4"/>
+                </a:solidFill>
+                <a:latin typeface="American Typewriter"/>
+                <a:ea typeface="American Typewriter"/>
+                <a:cs typeface="American Typewriter"/>
+                <a:sym typeface="American Typewriter"/>
+              </a:defRPr>
+            </a:pPr>
+          </a:p>
+          <a:p>
+            <a:pPr algn="l">
+              <a:defRPr sz="2400">
+                <a:solidFill>
+                  <a:schemeClr val="accent5">
+                    <a:lumOff val="-8774"/>
+                  </a:schemeClr>
+                </a:solidFill>
+                <a:latin typeface="American Typewriter"/>
+                <a:ea typeface="American Typewriter"/>
+                <a:cs typeface="American Typewriter"/>
+                <a:sym typeface="American Typewriter"/>
+              </a:defRPr>
+            </a:pPr>
+          </a:p>
+          <a:p>
+            <a:pPr algn="l">
+              <a:defRPr sz="2400">
+                <a:solidFill>
+                  <a:schemeClr val="accent5">
+                    <a:lumOff val="-8774"/>
+                  </a:schemeClr>
+                </a:solidFill>
+                <a:latin typeface="American Typewriter"/>
+                <a:ea typeface="American Typewriter"/>
+                <a:cs typeface="American Typewriter"/>
+                <a:sym typeface="American Typewriter"/>
+              </a:defRPr>
+            </a:pPr>
+          </a:p>
+          <a:p>
+            <a:pPr algn="l">
+              <a:defRPr sz="2400">
+                <a:solidFill>
+                  <a:schemeClr val="accent5">
+                    <a:lumOff val="-8774"/>
+                  </a:schemeClr>
+                </a:solidFill>
+                <a:latin typeface="American Typewriter"/>
+                <a:ea typeface="American Typewriter"/>
+                <a:cs typeface="American Typewriter"/>
+                <a:sym typeface="American Typewriter"/>
+              </a:defRPr>
+            </a:pPr>
+          </a:p>
+          <a:p>
+            <a:pPr algn="l">
+              <a:defRPr sz="2400">
+                <a:solidFill>
+                  <a:schemeClr val="accent5">
+                    <a:lumOff val="-8774"/>
+                  </a:schemeClr>
+                </a:solidFill>
+                <a:latin typeface="American Typewriter"/>
+                <a:ea typeface="American Typewriter"/>
+                <a:cs typeface="American Typewriter"/>
+                <a:sym typeface="American Typewriter"/>
+              </a:defRPr>
+            </a:pPr>
+          </a:p>
+          <a:p>
+            <a:pPr algn="l">
+              <a:defRPr sz="2400">
+                <a:solidFill>
+                  <a:schemeClr val="accent5">
+                    <a:lumOff val="-8774"/>
+                  </a:schemeClr>
+                </a:solidFill>
+                <a:latin typeface="American Typewriter"/>
+                <a:ea typeface="American Typewriter"/>
+                <a:cs typeface="American Typewriter"/>
+                <a:sym typeface="American Typewriter"/>
+              </a:defRPr>
+            </a:pPr>
+          </a:p>
+          <a:p>
+            <a:pPr algn="l">
+              <a:defRPr b="1" sz="4600">
+                <a:solidFill>
+                  <a:schemeClr val="accent5">
+                    <a:lumOff val="-8774"/>
+                  </a:schemeClr>
+                </a:solidFill>
+                <a:latin typeface="American Typewriter"/>
+                <a:ea typeface="American Typewriter"/>
+                <a:cs typeface="American Typewriter"/>
+                <a:sym typeface="American Typewriter"/>
+              </a:defRPr>
+            </a:pPr>
+            <a:r>
+              <a:t>Company X Characteristics :</a:t>
+            </a:r>
+          </a:p>
+          <a:p>
+            <a:pPr algn="l">
+              <a:defRPr sz="2400">
+                <a:solidFill>
+                  <a:schemeClr val="accent5">
+                    <a:lumOff val="-8774"/>
+                  </a:schemeClr>
+                </a:solidFill>
+                <a:latin typeface="American Typewriter"/>
+                <a:ea typeface="American Typewriter"/>
+                <a:cs typeface="American Typewriter"/>
+                <a:sym typeface="American Typewriter"/>
+              </a:defRPr>
+            </a:pPr>
+          </a:p>
+          <a:p>
+            <a:pPr algn="l">
+              <a:defRPr b="1" sz="2300">
+                <a:solidFill>
+                  <a:srgbClr val="B31A08"/>
+                </a:solidFill>
+                <a:latin typeface="American Typewriter"/>
+                <a:ea typeface="American Typewriter"/>
+                <a:cs typeface="American Typewriter"/>
+                <a:sym typeface="American Typewriter"/>
+              </a:defRPr>
+            </a:pPr>
+            <a:r>
+              <a:t>Below are the characteristics or the parameters for choosing the Company X (the company can be chosen by the participants)</a:t>
+            </a:r>
+          </a:p>
+          <a:p>
+            <a:pPr algn="l">
+              <a:defRPr b="1" sz="2300">
+                <a:solidFill>
+                  <a:srgbClr val="C04A43"/>
+                </a:solidFill>
+                <a:latin typeface="American Typewriter"/>
+                <a:ea typeface="American Typewriter"/>
+                <a:cs typeface="American Typewriter"/>
+                <a:sym typeface="American Typewriter"/>
+              </a:defRPr>
+            </a:pPr>
+          </a:p>
+          <a:p>
+            <a:pPr marL="292100" indent="-292100" algn="l">
+              <a:buSzPct val="125000"/>
+              <a:buChar char="•"/>
+              <a:defRPr b="1" sz="2300">
+                <a:solidFill>
+                  <a:srgbClr val="C8454A"/>
+                </a:solidFill>
+                <a:latin typeface="American Typewriter"/>
+                <a:ea typeface="American Typewriter"/>
+                <a:cs typeface="American Typewriter"/>
+                <a:sym typeface="American Typewriter"/>
+              </a:defRPr>
+            </a:pPr>
+            <a:r>
+              <a:t>It needs to be a late series company, a post IPO company which has successfully grown over the past few years so that it can be taken as an example.</a:t>
+            </a:r>
+          </a:p>
+          <a:p>
+            <a:pPr algn="l">
+              <a:defRPr b="1" sz="2300">
+                <a:solidFill>
+                  <a:srgbClr val="C8454A"/>
+                </a:solidFill>
+                <a:latin typeface="American Typewriter"/>
+                <a:ea typeface="American Typewriter"/>
+                <a:cs typeface="American Typewriter"/>
+                <a:sym typeface="American Typewriter"/>
+              </a:defRPr>
+            </a:pPr>
+          </a:p>
+          <a:p>
+            <a:pPr marL="292100" indent="-292100" algn="l">
+              <a:buSzPct val="125000"/>
+              <a:buChar char="•"/>
+              <a:defRPr b="1" sz="2300">
+                <a:solidFill>
+                  <a:srgbClr val="C8454A"/>
+                </a:solidFill>
+                <a:latin typeface="American Typewriter"/>
+                <a:ea typeface="American Typewriter"/>
+                <a:cs typeface="American Typewriter"/>
+                <a:sym typeface="American Typewriter"/>
+              </a:defRPr>
+            </a:pPr>
+            <a:r>
+              <a:t>It should have an IT tech product and should be in a similar industry so that trends can be mapped down.</a:t>
+            </a:r>
+          </a:p>
+        </p:txBody>
+      </p:sp>
+    </p:spTree>
+  </p:cSld>
+  <p:clrMapOvr>
+    <a:masterClrMapping/>
+  </p:clrMapOvr>
+  <p:transition xmlns:p14="http://schemas.microsoft.com/office/powerpoint/2010/main" spd="med" advClick="1"/>
+</p:sld>
+</file>
+
+<file path=ppt/slides/slide3.xml><?xml version="1.0" encoding="utf-8"?>
+<p:sld xmlns:a="http://schemas.openxmlformats.org/drawingml/2006/main" xmlns:r="http://schemas.openxmlformats.org/officeDocument/2006/relationships" xmlns:p="http://schemas.openxmlformats.org/presentationml/2006/main" xmlns:m="http://schemas.openxmlformats.org/officeDocument/2006/math" xmlns:a14="http://schemas.microsoft.com/office/drawing/2010/main" showMasterSp="1" showMasterPhAnim="1">
+  <p:cSld>
+    <p:spTree>
+      <p:nvGrpSpPr>
+        <p:cNvPr id="1" name=""/>
+        <p:cNvGrpSpPr/>
+        <p:nvPr/>
+      </p:nvGrpSpPr>
+      <p:grpSpPr>
+        <a:xfrm>
+          <a:off x="0" y="0"/>
+          <a:ext cx="0" cy="0"/>
+          <a:chOff x="0" y="0"/>
+          <a:chExt cx="0" cy="0"/>
+        </a:xfrm>
+      </p:grpSpPr>
+      <p:sp>
+        <p:nvSpPr>
+          <p:cNvPr id="125" name="Understanding the…"/>
+          <p:cNvSpPr txBox="1"/>
+          <p:nvPr/>
+        </p:nvSpPr>
+        <p:spPr>
+          <a:xfrm>
+            <a:off x="1123711" y="3073848"/>
+            <a:ext cx="3358795" cy="947420"/>
+          </a:xfrm>
+          <a:prstGeom prst="rect">
+            <a:avLst/>
+          </a:prstGeom>
+          <a:ln w="12700">
+            <a:miter lim="400000"/>
+          </a:ln>
+          <a:extLst>
+            <a:ext uri="{C572A759-6A51-4108-AA02-DFA0A04FC94B}">
+              <ma14:wrappingTextBoxFlag xmlns:ma14="http://schemas.microsoft.com/office/mac/drawingml/2011/main" val="1"/>
+            </a:ext>
+          </a:extLst>
+        </p:spPr>
+        <p:txBody>
+          <a:bodyPr wrap="none" lIns="50800" tIns="50800" rIns="50800" bIns="50800" anchor="ctr">
+            <a:spAutoFit/>
+          </a:bodyPr>
+          <a:lstStyle/>
+          <a:p>
+            <a:pPr>
+              <a:defRPr sz="2800">
+                <a:solidFill>
+                  <a:srgbClr val="C23B05"/>
+                </a:solidFill>
+                <a:latin typeface="Phosphate Inline"/>
+                <a:ea typeface="Phosphate Inline"/>
+                <a:cs typeface="Phosphate Inline"/>
+                <a:sym typeface="Phosphate Inline"/>
+              </a:defRPr>
+            </a:pPr>
+            <a:r>
+              <a:t>Understanding the</a:t>
+            </a:r>
+          </a:p>
+          <a:p>
+            <a:pPr>
+              <a:defRPr sz="2800">
+                <a:solidFill>
+                  <a:srgbClr val="C23B05"/>
+                </a:solidFill>
+                <a:latin typeface="Phosphate Inline"/>
+                <a:ea typeface="Phosphate Inline"/>
+                <a:cs typeface="Phosphate Inline"/>
+                <a:sym typeface="Phosphate Inline"/>
+              </a:defRPr>
+            </a:pPr>
+            <a:r>
+              <a:t>Problem statement</a:t>
+            </a:r>
+          </a:p>
+        </p:txBody>
+      </p:sp>
+      <p:sp>
+        <p:nvSpPr>
+          <p:cNvPr id="126" name="ROADMAP"/>
+          <p:cNvSpPr txBox="1"/>
+          <p:nvPr/>
+        </p:nvSpPr>
+        <p:spPr>
+          <a:xfrm>
+            <a:off x="8788572" y="1380937"/>
+            <a:ext cx="7148946" cy="1191047"/>
+          </a:xfrm>
+          <a:prstGeom prst="rect">
+            <a:avLst/>
+          </a:prstGeom>
+          <a:ln w="12700">
+            <a:miter lim="400000"/>
+          </a:ln>
+          <a:extLst>
+            <a:ext uri="{C572A759-6A51-4108-AA02-DFA0A04FC94B}">
+              <ma14:wrappingTextBoxFlag xmlns:ma14="http://schemas.microsoft.com/office/mac/drawingml/2011/main" val="1"/>
+            </a:ext>
+          </a:extLst>
+        </p:spPr>
+        <p:txBody>
+          <a:bodyPr lIns="50800" tIns="50800" rIns="50800" bIns="50800" anchor="ctr">
+            <a:spAutoFit/>
+          </a:bodyPr>
+          <a:lstStyle>
+            <a:lvl1pPr>
+              <a:defRPr sz="8600">
+                <a:solidFill>
+                  <a:srgbClr val="157525"/>
+                </a:solidFill>
+                <a:latin typeface="Rockwell Bold"/>
+                <a:ea typeface="Rockwell Bold"/>
+                <a:cs typeface="Rockwell Bold"/>
+                <a:sym typeface="Rockwell Bold"/>
+              </a:defRPr>
+            </a:lvl1pPr>
+          </a:lstStyle>
+          <a:p>
+            <a:pPr/>
+            <a:r>
+              <a:t>ROADMAP</a:t>
+            </a:r>
+          </a:p>
+        </p:txBody>
+      </p:sp>
+      <p:sp>
+        <p:nvSpPr>
+          <p:cNvPr id="127" name="Selecting Company…"/>
+          <p:cNvSpPr txBox="1"/>
+          <p:nvPr/>
+        </p:nvSpPr>
+        <p:spPr>
+          <a:xfrm>
+            <a:off x="9210390" y="3037018"/>
+            <a:ext cx="3480055" cy="1021080"/>
+          </a:xfrm>
+          <a:prstGeom prst="rect">
+            <a:avLst/>
+          </a:prstGeom>
+          <a:ln w="12700">
+            <a:miter lim="400000"/>
+          </a:ln>
+          <a:extLst>
+            <a:ext uri="{C572A759-6A51-4108-AA02-DFA0A04FC94B}">
+              <ma14:wrappingTextBoxFlag xmlns:ma14="http://schemas.microsoft.com/office/mac/drawingml/2011/main" val="1"/>
+            </a:ext>
+          </a:extLst>
+        </p:spPr>
+        <p:txBody>
+          <a:bodyPr wrap="none" lIns="50800" tIns="50800" rIns="50800" bIns="50800" anchor="ctr">
+            <a:spAutoFit/>
+          </a:bodyPr>
+          <a:lstStyle/>
+          <a:p>
+            <a:pPr>
+              <a:defRPr sz="2800">
+                <a:solidFill>
+                  <a:srgbClr val="C23B03"/>
+                </a:solidFill>
+                <a:latin typeface="Phosphate Inline"/>
+                <a:ea typeface="Phosphate Inline"/>
+                <a:cs typeface="Phosphate Inline"/>
+                <a:sym typeface="Phosphate Inline"/>
+              </a:defRPr>
+            </a:pPr>
+            <a:r>
+              <a:t>Selecting Company </a:t>
+            </a:r>
+          </a:p>
+          <a:p>
+            <a:pPr>
+              <a:defRPr sz="3200">
+                <a:solidFill>
+                  <a:srgbClr val="C23B03"/>
+                </a:solidFill>
+                <a:latin typeface="Phosphate Inline"/>
+                <a:ea typeface="Phosphate Inline"/>
+                <a:cs typeface="Phosphate Inline"/>
+                <a:sym typeface="Phosphate Inline"/>
+              </a:defRPr>
+            </a:pPr>
+            <a:r>
+              <a:t>“X”</a:t>
+            </a:r>
+          </a:p>
+        </p:txBody>
+      </p:sp>
+      <p:sp>
+        <p:nvSpPr>
+          <p:cNvPr id="128" name="Collecting…"/>
+          <p:cNvSpPr txBox="1"/>
+          <p:nvPr/>
+        </p:nvSpPr>
+        <p:spPr>
+          <a:xfrm>
+            <a:off x="18421349" y="3073848"/>
+            <a:ext cx="3694837" cy="947420"/>
+          </a:xfrm>
+          <a:prstGeom prst="rect">
+            <a:avLst/>
+          </a:prstGeom>
+          <a:ln w="12700">
+            <a:miter lim="400000"/>
+          </a:ln>
+          <a:extLst>
+            <a:ext uri="{C572A759-6A51-4108-AA02-DFA0A04FC94B}">
+              <ma14:wrappingTextBoxFlag xmlns:ma14="http://schemas.microsoft.com/office/mac/drawingml/2011/main" val="1"/>
+            </a:ext>
+          </a:extLst>
+        </p:spPr>
+        <p:txBody>
+          <a:bodyPr wrap="none" lIns="50800" tIns="50800" rIns="50800" bIns="50800" anchor="ctr">
+            <a:spAutoFit/>
+          </a:bodyPr>
+          <a:lstStyle/>
+          <a:p>
+            <a:pPr>
+              <a:defRPr sz="2800">
+                <a:solidFill>
+                  <a:srgbClr val="C23703"/>
+                </a:solidFill>
+                <a:latin typeface="Phosphate Inline"/>
+                <a:ea typeface="Phosphate Inline"/>
+                <a:cs typeface="Phosphate Inline"/>
+                <a:sym typeface="Phosphate Inline"/>
+              </a:defRPr>
+            </a:pPr>
+            <a:r>
+              <a:t>Collecting</a:t>
+            </a:r>
+          </a:p>
+          <a:p>
+            <a:pPr>
+              <a:defRPr sz="2800">
+                <a:solidFill>
+                  <a:srgbClr val="C23703"/>
+                </a:solidFill>
+                <a:latin typeface="Phosphate Inline"/>
+                <a:ea typeface="Phosphate Inline"/>
+                <a:cs typeface="Phosphate Inline"/>
+                <a:sym typeface="Phosphate Inline"/>
+              </a:defRPr>
+            </a:pPr>
+            <a:r>
+              <a:t> reports &amp; Resources</a:t>
+            </a:r>
+          </a:p>
+        </p:txBody>
+      </p:sp>
+      <p:sp>
+        <p:nvSpPr>
+          <p:cNvPr id="129" name="Visualising data using…"/>
+          <p:cNvSpPr txBox="1"/>
+          <p:nvPr/>
+        </p:nvSpPr>
+        <p:spPr>
+          <a:xfrm>
+            <a:off x="1020423" y="5968679"/>
+            <a:ext cx="4065373" cy="947420"/>
+          </a:xfrm>
+          <a:prstGeom prst="rect">
+            <a:avLst/>
+          </a:prstGeom>
+          <a:ln w="12700">
+            <a:miter lim="400000"/>
+          </a:ln>
+          <a:extLst>
+            <a:ext uri="{C572A759-6A51-4108-AA02-DFA0A04FC94B}">
+              <ma14:wrappingTextBoxFlag xmlns:ma14="http://schemas.microsoft.com/office/mac/drawingml/2011/main" val="1"/>
+            </a:ext>
+          </a:extLst>
+        </p:spPr>
+        <p:txBody>
+          <a:bodyPr wrap="none" lIns="50800" tIns="50800" rIns="50800" bIns="50800" anchor="ctr">
+            <a:spAutoFit/>
+          </a:bodyPr>
+          <a:lstStyle/>
+          <a:p>
+            <a:pPr>
+              <a:defRPr sz="2800">
+                <a:solidFill>
+                  <a:srgbClr val="C22802"/>
+                </a:solidFill>
+                <a:latin typeface="Phosphate Inline"/>
+                <a:ea typeface="Phosphate Inline"/>
+                <a:cs typeface="Phosphate Inline"/>
+                <a:sym typeface="Phosphate Inline"/>
+              </a:defRPr>
+            </a:pPr>
+            <a:r>
+              <a:t>Visualising data using </a:t>
+            </a:r>
+          </a:p>
+          <a:p>
+            <a:pPr>
+              <a:defRPr sz="2800">
+                <a:solidFill>
+                  <a:srgbClr val="C22802"/>
+                </a:solidFill>
+                <a:latin typeface="Phosphate Inline"/>
+                <a:ea typeface="Phosphate Inline"/>
+                <a:cs typeface="Phosphate Inline"/>
+                <a:sym typeface="Phosphate Inline"/>
+              </a:defRPr>
+            </a:pPr>
+            <a:r>
+              <a:t>Tableau</a:t>
+            </a:r>
+          </a:p>
+        </p:txBody>
+      </p:sp>
+      <p:sp>
+        <p:nvSpPr>
+          <p:cNvPr id="130" name="AnalyZing Data using…"/>
+          <p:cNvSpPr txBox="1"/>
+          <p:nvPr/>
+        </p:nvSpPr>
+        <p:spPr>
+          <a:xfrm>
+            <a:off x="8561014" y="5968679"/>
+            <a:ext cx="3813608" cy="947420"/>
+          </a:xfrm>
+          <a:prstGeom prst="rect">
+            <a:avLst/>
+          </a:prstGeom>
+          <a:ln w="12700">
+            <a:miter lim="400000"/>
+          </a:ln>
+          <a:extLst>
+            <a:ext uri="{C572A759-6A51-4108-AA02-DFA0A04FC94B}">
+              <ma14:wrappingTextBoxFlag xmlns:ma14="http://schemas.microsoft.com/office/mac/drawingml/2011/main" val="1"/>
+            </a:ext>
+          </a:extLst>
+        </p:spPr>
+        <p:txBody>
+          <a:bodyPr wrap="none" lIns="50800" tIns="50800" rIns="50800" bIns="50800" anchor="ctr">
+            <a:spAutoFit/>
+          </a:bodyPr>
+          <a:lstStyle/>
+          <a:p>
+            <a:pPr>
+              <a:defRPr sz="2800">
+                <a:solidFill>
+                  <a:srgbClr val="C2340C"/>
+                </a:solidFill>
+                <a:latin typeface="Phosphate Inline"/>
+                <a:ea typeface="Phosphate Inline"/>
+                <a:cs typeface="Phosphate Inline"/>
+                <a:sym typeface="Phosphate Inline"/>
+              </a:defRPr>
+            </a:pPr>
+            <a:r>
+              <a:t>AnalyZing Data using</a:t>
+            </a:r>
+          </a:p>
+          <a:p>
+            <a:pPr>
+              <a:defRPr sz="2800">
+                <a:solidFill>
+                  <a:srgbClr val="C2340C"/>
+                </a:solidFill>
+                <a:latin typeface="Phosphate Inline"/>
+                <a:ea typeface="Phosphate Inline"/>
+                <a:cs typeface="Phosphate Inline"/>
+                <a:sym typeface="Phosphate Inline"/>
+              </a:defRPr>
+            </a:pPr>
+            <a:r>
+              <a:t> Excel </a:t>
+            </a:r>
+          </a:p>
+        </p:txBody>
+      </p:sp>
+      <p:sp>
+        <p:nvSpPr>
+          <p:cNvPr id="131" name="Understanding Digital ocean…"/>
+          <p:cNvSpPr txBox="1"/>
+          <p:nvPr/>
+        </p:nvSpPr>
+        <p:spPr>
+          <a:xfrm>
+            <a:off x="15577163" y="5968679"/>
+            <a:ext cx="8116368" cy="947420"/>
+          </a:xfrm>
+          <a:prstGeom prst="rect">
+            <a:avLst/>
+          </a:prstGeom>
+          <a:ln w="12700">
+            <a:miter lim="400000"/>
+          </a:ln>
+          <a:extLst>
+            <a:ext uri="{C572A759-6A51-4108-AA02-DFA0A04FC94B}">
+              <ma14:wrappingTextBoxFlag xmlns:ma14="http://schemas.microsoft.com/office/mac/drawingml/2011/main" val="1"/>
+            </a:ext>
+          </a:extLst>
+        </p:spPr>
+        <p:txBody>
+          <a:bodyPr wrap="none" lIns="50800" tIns="50800" rIns="50800" bIns="50800" anchor="ctr">
+            <a:spAutoFit/>
+          </a:bodyPr>
+          <a:lstStyle/>
+          <a:p>
+            <a:pPr>
+              <a:defRPr sz="2800">
+                <a:solidFill>
+                  <a:srgbClr val="C23604"/>
+                </a:solidFill>
+                <a:latin typeface="Phosphate Inline"/>
+                <a:ea typeface="Phosphate Inline"/>
+                <a:cs typeface="Phosphate Inline"/>
+                <a:sym typeface="Phosphate Inline"/>
+              </a:defRPr>
+            </a:pPr>
+            <a:r>
+              <a:t>Understanding Digital ocean </a:t>
+            </a:r>
+          </a:p>
+          <a:p>
+            <a:pPr>
+              <a:defRPr sz="2800">
+                <a:solidFill>
+                  <a:srgbClr val="C23604"/>
+                </a:solidFill>
+                <a:latin typeface="Phosphate Inline"/>
+                <a:ea typeface="Phosphate Inline"/>
+                <a:cs typeface="Phosphate Inline"/>
+                <a:sym typeface="Phosphate Inline"/>
+              </a:defRPr>
+            </a:pPr>
+            <a:r>
+              <a:t>Annual reports, Current reports &amp; workflow</a:t>
+            </a:r>
+          </a:p>
+        </p:txBody>
+      </p:sp>
+      <p:sp>
+        <p:nvSpPr>
+          <p:cNvPr id="132" name="Submitting the project using…"/>
+          <p:cNvSpPr txBox="1"/>
+          <p:nvPr/>
+        </p:nvSpPr>
+        <p:spPr>
+          <a:xfrm>
+            <a:off x="16080271" y="9384722"/>
+            <a:ext cx="5059630" cy="947420"/>
+          </a:xfrm>
+          <a:prstGeom prst="rect">
+            <a:avLst/>
+          </a:prstGeom>
+          <a:ln w="12700">
+            <a:miter lim="400000"/>
+          </a:ln>
+          <a:extLst>
+            <a:ext uri="{C572A759-6A51-4108-AA02-DFA0A04FC94B}">
+              <ma14:wrappingTextBoxFlag xmlns:ma14="http://schemas.microsoft.com/office/mac/drawingml/2011/main" val="1"/>
+            </a:ext>
+          </a:extLst>
+        </p:spPr>
+        <p:txBody>
+          <a:bodyPr wrap="none" lIns="50800" tIns="50800" rIns="50800" bIns="50800" anchor="ctr">
+            <a:spAutoFit/>
+          </a:bodyPr>
+          <a:lstStyle/>
+          <a:p>
+            <a:pPr>
+              <a:defRPr sz="2800">
+                <a:solidFill>
+                  <a:srgbClr val="C23002"/>
+                </a:solidFill>
+                <a:latin typeface="Phosphate Inline"/>
+                <a:ea typeface="Phosphate Inline"/>
+                <a:cs typeface="Phosphate Inline"/>
+                <a:sym typeface="Phosphate Inline"/>
+              </a:defRPr>
+            </a:pPr>
+            <a:r>
+              <a:t>Submitting the project using</a:t>
+            </a:r>
+          </a:p>
+          <a:p>
+            <a:pPr>
+              <a:defRPr sz="2800">
+                <a:solidFill>
+                  <a:srgbClr val="C23002"/>
+                </a:solidFill>
+                <a:latin typeface="Phosphate Inline"/>
+                <a:ea typeface="Phosphate Inline"/>
+                <a:cs typeface="Phosphate Inline"/>
+                <a:sym typeface="Phosphate Inline"/>
+              </a:defRPr>
+            </a:pPr>
+            <a:r>
+              <a:t> GitHub   </a:t>
+            </a:r>
+          </a:p>
+        </p:txBody>
+      </p:sp>
+      <p:sp>
+        <p:nvSpPr>
+          <p:cNvPr id="133" name="Writing document  to…"/>
+          <p:cNvSpPr txBox="1"/>
+          <p:nvPr/>
+        </p:nvSpPr>
+        <p:spPr>
+          <a:xfrm>
+            <a:off x="9262476" y="9384722"/>
+            <a:ext cx="3879038" cy="947420"/>
+          </a:xfrm>
+          <a:prstGeom prst="rect">
+            <a:avLst/>
+          </a:prstGeom>
+          <a:ln w="12700">
+            <a:miter lim="400000"/>
+          </a:ln>
+          <a:extLst>
+            <a:ext uri="{C572A759-6A51-4108-AA02-DFA0A04FC94B}">
+              <ma14:wrappingTextBoxFlag xmlns:ma14="http://schemas.microsoft.com/office/mac/drawingml/2011/main" val="1"/>
+            </a:ext>
+          </a:extLst>
+        </p:spPr>
+        <p:txBody>
+          <a:bodyPr wrap="none" lIns="50800" tIns="50800" rIns="50800" bIns="50800" anchor="ctr">
+            <a:spAutoFit/>
+          </a:bodyPr>
+          <a:lstStyle/>
+          <a:p>
+            <a:pPr>
+              <a:defRPr sz="2800">
+                <a:solidFill>
+                  <a:srgbClr val="C23303"/>
+                </a:solidFill>
+                <a:latin typeface="Phosphate Inline"/>
+                <a:ea typeface="Phosphate Inline"/>
+                <a:cs typeface="Phosphate Inline"/>
+                <a:sym typeface="Phosphate Inline"/>
+              </a:defRPr>
+            </a:pPr>
+            <a:r>
+              <a:t>Writing document  to</a:t>
+            </a:r>
+          </a:p>
+          <a:p>
+            <a:pPr>
+              <a:defRPr sz="2800">
+                <a:solidFill>
+                  <a:srgbClr val="C23303"/>
+                </a:solidFill>
+                <a:latin typeface="Phosphate Inline"/>
+                <a:ea typeface="Phosphate Inline"/>
+                <a:cs typeface="Phosphate Inline"/>
+                <a:sym typeface="Phosphate Inline"/>
+              </a:defRPr>
+            </a:pPr>
+            <a:r>
+              <a:t> explain the process</a:t>
+            </a:r>
+          </a:p>
+        </p:txBody>
+      </p:sp>
+      <p:sp>
+        <p:nvSpPr>
+          <p:cNvPr id="134" name="Explaining digital ocean using…"/>
+          <p:cNvSpPr txBox="1"/>
+          <p:nvPr/>
+        </p:nvSpPr>
+        <p:spPr>
+          <a:xfrm>
+            <a:off x="792173" y="9384722"/>
+            <a:ext cx="5543247" cy="947420"/>
+          </a:xfrm>
+          <a:prstGeom prst="rect">
+            <a:avLst/>
+          </a:prstGeom>
+          <a:ln w="12700">
+            <a:miter lim="400000"/>
+          </a:ln>
+          <a:extLst>
+            <a:ext uri="{C572A759-6A51-4108-AA02-DFA0A04FC94B}">
+              <ma14:wrappingTextBoxFlag xmlns:ma14="http://schemas.microsoft.com/office/mac/drawingml/2011/main" val="1"/>
+            </a:ext>
+          </a:extLst>
+        </p:spPr>
+        <p:txBody>
+          <a:bodyPr wrap="none" lIns="50800" tIns="50800" rIns="50800" bIns="50800" anchor="ctr">
+            <a:spAutoFit/>
+          </a:bodyPr>
+          <a:lstStyle/>
+          <a:p>
+            <a:pPr>
+              <a:defRPr sz="2800">
+                <a:solidFill>
+                  <a:srgbClr val="C23402"/>
+                </a:solidFill>
+                <a:latin typeface="Phosphate Inline"/>
+                <a:ea typeface="Phosphate Inline"/>
+                <a:cs typeface="Phosphate Inline"/>
+                <a:sym typeface="Phosphate Inline"/>
+              </a:defRPr>
+            </a:pPr>
+            <a:r>
+              <a:t>Explaining digital ocean using </a:t>
+            </a:r>
+          </a:p>
+          <a:p>
+            <a:pPr>
+              <a:defRPr sz="2800">
+                <a:solidFill>
+                  <a:srgbClr val="C23402"/>
+                </a:solidFill>
+                <a:latin typeface="Phosphate Inline"/>
+                <a:ea typeface="Phosphate Inline"/>
+                <a:cs typeface="Phosphate Inline"/>
+                <a:sym typeface="Phosphate Inline"/>
+              </a:defRPr>
+            </a:pPr>
+            <a:r>
+              <a:t>Keynote </a:t>
+            </a:r>
+          </a:p>
+        </p:txBody>
+      </p:sp>
+      <p:sp>
+        <p:nvSpPr>
+          <p:cNvPr id="135" name="Arrow"/>
+          <p:cNvSpPr/>
+          <p:nvPr/>
+        </p:nvSpPr>
+        <p:spPr>
+          <a:xfrm>
+            <a:off x="6503547" y="3037018"/>
+            <a:ext cx="1270001" cy="1021080"/>
+          </a:xfrm>
+          <a:prstGeom prst="rightArrow">
+            <a:avLst>
+              <a:gd name="adj1" fmla="val 15372"/>
+              <a:gd name="adj2" fmla="val 70429"/>
+            </a:avLst>
+          </a:prstGeom>
+          <a:solidFill>
+            <a:srgbClr val="ED8E7A"/>
+          </a:solidFill>
+          <a:ln w="12700">
+            <a:miter lim="400000"/>
+          </a:ln>
+          <a:effectLst>
+            <a:outerShdw sx="100000" sy="100000" kx="0" ky="0" algn="b" rotWithShape="0" blurRad="50800" dist="25400" dir="5400000">
+              <a:srgbClr val="000000">
+                <a:alpha val="25000"/>
+              </a:srgbClr>
+            </a:outerShdw>
+          </a:effectLst>
+        </p:spPr>
+        <p:txBody>
+          <a:bodyPr lIns="50800" tIns="50800" rIns="50800" bIns="50800" anchor="ctr"/>
+          <a:lstStyle/>
+          <a:p>
+            <a:pPr>
+              <a:defRPr sz="4200">
+                <a:solidFill>
+                  <a:srgbClr val="FF5968"/>
+                </a:solidFill>
+                <a:effectLst>
+                  <a:outerShdw sx="100000" sy="100000" kx="0" ky="0" algn="b" rotWithShape="0" blurRad="76200" dist="12700" dir="5400000">
+                    <a:srgbClr val="000000">
+                      <a:alpha val="50000"/>
+                    </a:srgbClr>
+                  </a:outerShdw>
+                </a:effectLst>
+              </a:defRPr>
+            </a:pPr>
+          </a:p>
+        </p:txBody>
+      </p:sp>
+      <p:sp>
+        <p:nvSpPr>
+          <p:cNvPr id="136" name="Arrow"/>
+          <p:cNvSpPr/>
+          <p:nvPr/>
+        </p:nvSpPr>
+        <p:spPr>
+          <a:xfrm>
+            <a:off x="7163947" y="9347892"/>
+            <a:ext cx="1270001" cy="1021079"/>
+          </a:xfrm>
+          <a:prstGeom prst="rightArrow">
+            <a:avLst>
+              <a:gd name="adj1" fmla="val 15372"/>
+              <a:gd name="adj2" fmla="val 70429"/>
+            </a:avLst>
+          </a:prstGeom>
+          <a:solidFill>
+            <a:srgbClr val="ED8E7A"/>
+          </a:solidFill>
+          <a:ln w="12700">
+            <a:miter lim="400000"/>
+          </a:ln>
+          <a:effectLst>
+            <a:outerShdw sx="100000" sy="100000" kx="0" ky="0" algn="b" rotWithShape="0" blurRad="50800" dist="25400" dir="5400000">
+              <a:srgbClr val="000000">
+                <a:alpha val="25000"/>
+              </a:srgbClr>
+            </a:outerShdw>
+          </a:effectLst>
+        </p:spPr>
+        <p:txBody>
+          <a:bodyPr lIns="50800" tIns="50800" rIns="50800" bIns="50800" anchor="ctr"/>
+          <a:lstStyle/>
+          <a:p>
+            <a:pPr>
+              <a:defRPr sz="4200">
+                <a:solidFill>
+                  <a:srgbClr val="FF5968"/>
+                </a:solidFill>
+                <a:effectLst>
+                  <a:outerShdw sx="100000" sy="100000" kx="0" ky="0" algn="b" rotWithShape="0" blurRad="76200" dist="12700" dir="5400000">
+                    <a:srgbClr val="000000">
+                      <a:alpha val="50000"/>
+                    </a:srgbClr>
+                  </a:outerShdw>
+                </a:effectLst>
+              </a:defRPr>
+            </a:pPr>
+          </a:p>
+        </p:txBody>
+      </p:sp>
+      <p:sp>
+        <p:nvSpPr>
+          <p:cNvPr id="137" name="Arrow"/>
+          <p:cNvSpPr/>
+          <p:nvPr/>
+        </p:nvSpPr>
+        <p:spPr>
+          <a:xfrm rot="5400000">
+            <a:off x="2168108" y="7812218"/>
+            <a:ext cx="1270001" cy="1021080"/>
+          </a:xfrm>
+          <a:prstGeom prst="rightArrow">
+            <a:avLst>
+              <a:gd name="adj1" fmla="val 15372"/>
+              <a:gd name="adj2" fmla="val 70429"/>
+            </a:avLst>
+          </a:prstGeom>
+          <a:solidFill>
+            <a:srgbClr val="ED8E7A"/>
+          </a:solidFill>
+          <a:ln w="12700">
+            <a:miter lim="400000"/>
+          </a:ln>
+          <a:effectLst>
+            <a:outerShdw sx="100000" sy="100000" kx="0" ky="0" algn="b" rotWithShape="0" blurRad="50800" dist="25400" dir="5400000">
+              <a:srgbClr val="000000">
+                <a:alpha val="25000"/>
+              </a:srgbClr>
+            </a:outerShdw>
+          </a:effectLst>
+        </p:spPr>
+        <p:txBody>
+          <a:bodyPr lIns="50800" tIns="50800" rIns="50800" bIns="50800" anchor="ctr"/>
+          <a:lstStyle/>
+          <a:p>
+            <a:pPr>
+              <a:defRPr sz="4200">
+                <a:solidFill>
+                  <a:srgbClr val="FF5968"/>
+                </a:solidFill>
+                <a:effectLst>
+                  <a:outerShdw sx="100000" sy="100000" kx="0" ky="0" algn="b" rotWithShape="0" blurRad="76200" dist="12700" dir="5400000">
+                    <a:srgbClr val="000000">
+                      <a:alpha val="50000"/>
+                    </a:srgbClr>
+                  </a:outerShdw>
+                </a:effectLst>
+              </a:defRPr>
+            </a:pPr>
+          </a:p>
+        </p:txBody>
+      </p:sp>
+      <p:sp>
+        <p:nvSpPr>
+          <p:cNvPr id="138" name="Arrow"/>
+          <p:cNvSpPr/>
+          <p:nvPr/>
+        </p:nvSpPr>
+        <p:spPr>
+          <a:xfrm flipH="1">
+            <a:off x="6188404" y="5931849"/>
+            <a:ext cx="1270001" cy="1021080"/>
+          </a:xfrm>
+          <a:prstGeom prst="rightArrow">
+            <a:avLst>
+              <a:gd name="adj1" fmla="val 15372"/>
+              <a:gd name="adj2" fmla="val 70429"/>
+            </a:avLst>
+          </a:prstGeom>
+          <a:solidFill>
+            <a:srgbClr val="ED8E7A"/>
+          </a:solidFill>
+          <a:ln w="12700">
+            <a:miter lim="400000"/>
+          </a:ln>
+          <a:effectLst>
+            <a:outerShdw sx="100000" sy="100000" kx="0" ky="0" algn="b" rotWithShape="0" blurRad="50800" dist="25400" dir="5400000">
+              <a:srgbClr val="000000">
+                <a:alpha val="25000"/>
+              </a:srgbClr>
+            </a:outerShdw>
+          </a:effectLst>
+        </p:spPr>
+        <p:txBody>
+          <a:bodyPr lIns="50800" tIns="50800" rIns="50800" bIns="50800" anchor="ctr"/>
+          <a:lstStyle/>
+          <a:p>
+            <a:pPr>
+              <a:defRPr sz="4200">
+                <a:solidFill>
+                  <a:srgbClr val="FF5968"/>
+                </a:solidFill>
+                <a:effectLst>
+                  <a:outerShdw sx="100000" sy="100000" kx="0" ky="0" algn="b" rotWithShape="0" blurRad="76200" dist="12700" dir="5400000">
+                    <a:srgbClr val="000000">
+                      <a:alpha val="50000"/>
+                    </a:srgbClr>
+                  </a:outerShdw>
+                </a:effectLst>
+              </a:defRPr>
+            </a:pPr>
+          </a:p>
+        </p:txBody>
+      </p:sp>
+      <p:sp>
+        <p:nvSpPr>
+          <p:cNvPr id="139" name="Arrow"/>
+          <p:cNvSpPr/>
+          <p:nvPr/>
+        </p:nvSpPr>
+        <p:spPr>
+          <a:xfrm flipH="1">
+            <a:off x="13183747" y="5931849"/>
+            <a:ext cx="1270001" cy="1021080"/>
+          </a:xfrm>
+          <a:prstGeom prst="rightArrow">
+            <a:avLst>
+              <a:gd name="adj1" fmla="val 15372"/>
+              <a:gd name="adj2" fmla="val 70429"/>
+            </a:avLst>
+          </a:prstGeom>
+          <a:solidFill>
+            <a:srgbClr val="ED8E7A"/>
+          </a:solidFill>
+          <a:ln w="12700">
+            <a:miter lim="400000"/>
+          </a:ln>
+          <a:effectLst>
+            <a:outerShdw sx="100000" sy="100000" kx="0" ky="0" algn="b" rotWithShape="0" blurRad="50800" dist="25400" dir="5400000">
+              <a:srgbClr val="000000">
+                <a:alpha val="25000"/>
+              </a:srgbClr>
+            </a:outerShdw>
+          </a:effectLst>
+        </p:spPr>
+        <p:txBody>
+          <a:bodyPr lIns="50800" tIns="50800" rIns="50800" bIns="50800" anchor="ctr"/>
+          <a:lstStyle/>
+          <a:p>
+            <a:pPr>
+              <a:defRPr sz="4200">
+                <a:solidFill>
+                  <a:srgbClr val="FF5968"/>
+                </a:solidFill>
+                <a:effectLst>
+                  <a:outerShdw sx="100000" sy="100000" kx="0" ky="0" algn="b" rotWithShape="0" blurRad="76200" dist="12700" dir="5400000">
+                    <a:srgbClr val="000000">
+                      <a:alpha val="50000"/>
+                    </a:srgbClr>
+                  </a:outerShdw>
+                </a:effectLst>
+              </a:defRPr>
+            </a:pPr>
+          </a:p>
+        </p:txBody>
+      </p:sp>
+      <p:sp>
+        <p:nvSpPr>
+          <p:cNvPr id="140" name="Arrow"/>
+          <p:cNvSpPr/>
+          <p:nvPr/>
+        </p:nvSpPr>
+        <p:spPr>
+          <a:xfrm rot="5400000">
+            <a:off x="19633767" y="4484434"/>
+            <a:ext cx="1270001" cy="1021080"/>
+          </a:xfrm>
+          <a:prstGeom prst="rightArrow">
+            <a:avLst>
+              <a:gd name="adj1" fmla="val 15372"/>
+              <a:gd name="adj2" fmla="val 70429"/>
+            </a:avLst>
+          </a:prstGeom>
+          <a:solidFill>
+            <a:srgbClr val="ED8E7A"/>
+          </a:solidFill>
+          <a:ln w="12700">
+            <a:miter lim="400000"/>
+          </a:ln>
+          <a:effectLst>
+            <a:outerShdw sx="100000" sy="100000" kx="0" ky="0" algn="b" rotWithShape="0" blurRad="50800" dist="25400" dir="5400000">
+              <a:srgbClr val="000000">
+                <a:alpha val="25000"/>
+              </a:srgbClr>
+            </a:outerShdw>
+          </a:effectLst>
+        </p:spPr>
+        <p:txBody>
+          <a:bodyPr lIns="50800" tIns="50800" rIns="50800" bIns="50800" anchor="ctr"/>
+          <a:lstStyle/>
+          <a:p>
+            <a:pPr>
+              <a:defRPr sz="4200">
+                <a:solidFill>
+                  <a:srgbClr val="FF5968"/>
+                </a:solidFill>
+                <a:effectLst>
+                  <a:outerShdw sx="100000" sy="100000" kx="0" ky="0" algn="b" rotWithShape="0" blurRad="76200" dist="12700" dir="5400000">
+                    <a:srgbClr val="000000">
+                      <a:alpha val="50000"/>
+                    </a:srgbClr>
+                  </a:outerShdw>
+                </a:effectLst>
+              </a:defRPr>
+            </a:pPr>
+          </a:p>
+        </p:txBody>
+      </p:sp>
+      <p:sp>
+        <p:nvSpPr>
+          <p:cNvPr id="141" name="Arrow"/>
+          <p:cNvSpPr/>
+          <p:nvPr/>
+        </p:nvSpPr>
+        <p:spPr>
+          <a:xfrm>
+            <a:off x="13975892" y="3037018"/>
+            <a:ext cx="1270001" cy="1021080"/>
+          </a:xfrm>
+          <a:prstGeom prst="rightArrow">
+            <a:avLst>
+              <a:gd name="adj1" fmla="val 15372"/>
+              <a:gd name="adj2" fmla="val 70429"/>
+            </a:avLst>
+          </a:prstGeom>
+          <a:solidFill>
+            <a:srgbClr val="ED8E7A"/>
+          </a:solidFill>
+          <a:ln w="12700">
+            <a:miter lim="400000"/>
+          </a:ln>
+          <a:effectLst>
+            <a:outerShdw sx="100000" sy="100000" kx="0" ky="0" algn="b" rotWithShape="0" blurRad="50800" dist="25400" dir="5400000">
+              <a:srgbClr val="000000">
+                <a:alpha val="25000"/>
+              </a:srgbClr>
+            </a:outerShdw>
+          </a:effectLst>
+        </p:spPr>
+        <p:txBody>
+          <a:bodyPr lIns="50800" tIns="50800" rIns="50800" bIns="50800" anchor="ctr"/>
+          <a:lstStyle/>
+          <a:p>
+            <a:pPr>
+              <a:defRPr sz="4200">
+                <a:solidFill>
+                  <a:srgbClr val="FF5968"/>
+                </a:solidFill>
+                <a:effectLst>
+                  <a:outerShdw sx="100000" sy="100000" kx="0" ky="0" algn="b" rotWithShape="0" blurRad="76200" dist="12700" dir="5400000">
+                    <a:srgbClr val="000000">
+                      <a:alpha val="50000"/>
+                    </a:srgbClr>
+                  </a:outerShdw>
+                </a:effectLst>
+              </a:defRPr>
+            </a:pPr>
+          </a:p>
+        </p:txBody>
+      </p:sp>
+      <p:sp>
+        <p:nvSpPr>
+          <p:cNvPr id="142" name="Arrow"/>
+          <p:cNvSpPr/>
+          <p:nvPr/>
+        </p:nvSpPr>
+        <p:spPr>
+          <a:xfrm>
+            <a:off x="13975892" y="9347892"/>
+            <a:ext cx="1270001" cy="1021079"/>
+          </a:xfrm>
+          <a:prstGeom prst="rightArrow">
+            <a:avLst>
+              <a:gd name="adj1" fmla="val 15372"/>
+              <a:gd name="adj2" fmla="val 70429"/>
+            </a:avLst>
+          </a:prstGeom>
+          <a:solidFill>
+            <a:srgbClr val="ED8E7A"/>
+          </a:solidFill>
+          <a:ln w="12700">
+            <a:miter lim="400000"/>
+          </a:ln>
+          <a:effectLst>
+            <a:outerShdw sx="100000" sy="100000" kx="0" ky="0" algn="b" rotWithShape="0" blurRad="50800" dist="25400" dir="5400000">
+              <a:srgbClr val="000000">
+                <a:alpha val="25000"/>
+              </a:srgbClr>
+            </a:outerShdw>
+          </a:effectLst>
+        </p:spPr>
+        <p:txBody>
+          <a:bodyPr lIns="50800" tIns="50800" rIns="50800" bIns="50800" anchor="ctr"/>
+          <a:lstStyle/>
+          <a:p>
+            <a:pPr>
+              <a:defRPr sz="4200">
+                <a:solidFill>
+                  <a:srgbClr val="FF5968"/>
+                </a:solidFill>
+                <a:effectLst>
+                  <a:outerShdw sx="100000" sy="100000" kx="0" ky="0" algn="b" rotWithShape="0" blurRad="76200" dist="12700" dir="5400000">
+                    <a:srgbClr val="000000">
+                      <a:alpha val="50000"/>
+                    </a:srgbClr>
+                  </a:outerShdw>
+                </a:effectLst>
+              </a:defRPr>
+            </a:pPr>
+          </a:p>
+        </p:txBody>
+      </p:sp>
+    </p:spTree>
+  </p:cSld>
+  <p:clrMapOvr>
+    <a:masterClrMapping/>
+  </p:clrMapOvr>
+  <p:transition xmlns:p14="http://schemas.microsoft.com/office/powerpoint/2010/main" spd="med" advClick="1"/>
+</p:sld>
+</file>
+
+<file path=ppt/slides/slide4.xml><?xml version="1.0" encoding="utf-8"?>
+<p:sld xmlns:a="http://schemas.openxmlformats.org/drawingml/2006/main" xmlns:r="http://schemas.openxmlformats.org/officeDocument/2006/relationships" xmlns:p="http://schemas.openxmlformats.org/presentationml/2006/main" xmlns:m="http://schemas.openxmlformats.org/officeDocument/2006/math" xmlns:a14="http://schemas.microsoft.com/office/drawing/2010/main" showMasterSp="1" showMasterPhAnim="1">
+  <p:cSld>
+    <p:spTree>
+      <p:nvGrpSpPr>
+        <p:cNvPr id="1" name=""/>
+        <p:cNvGrpSpPr/>
+        <p:nvPr/>
+      </p:nvGrpSpPr>
+      <p:grpSpPr>
+        <a:xfrm>
+          <a:off x="0" y="0"/>
+          <a:ext cx="0" cy="0"/>
+          <a:chOff x="0" y="0"/>
+          <a:chExt cx="0" cy="0"/>
+        </a:xfrm>
+      </p:grpSpPr>
+      <p:sp>
+        <p:nvSpPr>
+          <p:cNvPr id="144" name="Company “X”"/>
           <p:cNvSpPr txBox="1"/>
           <p:nvPr/>
         </p:nvSpPr>
@@ -3246,7 +4772,7 @@
       </p:sp>
       <p:pic>
         <p:nvPicPr>
-          <p:cNvPr id="124" name="DigitalOcean_logo.svg" descr="DigitalOcean_logo.svg"/>
+          <p:cNvPr id="145" name="DigitalOcean_logo.svg" descr="DigitalOcean_logo.svg"/>
           <p:cNvPicPr>
             <a:picLocks noChangeAspect="1"/>
           </p:cNvPicPr>
@@ -3289,7 +4815,7 @@
 </p:sld>
 </file>
 
-<file path=ppt/slides/slide3.xml><?xml version="1.0" encoding="utf-8"?>
+<file path=ppt/slides/slide5.xml><?xml version="1.0" encoding="utf-8"?>
 <p:sld xmlns:a="http://schemas.openxmlformats.org/drawingml/2006/main" xmlns:r="http://schemas.openxmlformats.org/officeDocument/2006/relationships" xmlns:p="http://schemas.openxmlformats.org/presentationml/2006/main" xmlns:m="http://schemas.openxmlformats.org/officeDocument/2006/math" xmlns:a14="http://schemas.microsoft.com/office/drawing/2010/main" showMasterSp="1" showMasterPhAnim="1">
   <p:cSld>
     <p:spTree>
@@ -3308,7 +4834,688 @@
       </p:grpSpPr>
       <p:sp>
         <p:nvSpPr>
-          <p:cNvPr id="126" name="Team Leaders:"/>
+          <p:cNvPr id="147" name="Evolution of DigitalOcean:"/>
+          <p:cNvSpPr txBox="1"/>
+          <p:nvPr/>
+        </p:nvSpPr>
+        <p:spPr>
+          <a:xfrm>
+            <a:off x="1135720" y="1342386"/>
+            <a:ext cx="8794962" cy="889001"/>
+          </a:xfrm>
+          <a:prstGeom prst="rect">
+            <a:avLst/>
+          </a:prstGeom>
+          <a:ln w="12700">
+            <a:miter lim="400000"/>
+          </a:ln>
+          <a:extLst>
+            <a:ext uri="{C572A759-6A51-4108-AA02-DFA0A04FC94B}">
+              <ma14:wrappingTextBoxFlag xmlns:ma14="http://schemas.microsoft.com/office/mac/drawingml/2011/main" val="1"/>
+            </a:ext>
+          </a:extLst>
+        </p:spPr>
+        <p:txBody>
+          <a:bodyPr wrap="none" lIns="50800" tIns="50800" rIns="50800" bIns="50800" anchor="ctr">
+            <a:spAutoFit/>
+          </a:bodyPr>
+          <a:lstStyle>
+            <a:lvl1pPr>
+              <a:defRPr b="1" sz="5400">
+                <a:solidFill>
+                  <a:srgbClr val="D41844"/>
+                </a:solidFill>
+                <a:latin typeface="Baskerville"/>
+                <a:ea typeface="Baskerville"/>
+                <a:cs typeface="Baskerville"/>
+                <a:sym typeface="Baskerville"/>
+              </a:defRPr>
+            </a:lvl1pPr>
+          </a:lstStyle>
+          <a:p>
+            <a:pPr/>
+            <a:r>
+              <a:t>Evolution of DigitalOcean:</a:t>
+            </a:r>
+          </a:p>
+        </p:txBody>
+      </p:sp>
+      <p:sp>
+        <p:nvSpPr>
+          <p:cNvPr id="148" name="Arrow"/>
+          <p:cNvSpPr/>
+          <p:nvPr/>
+        </p:nvSpPr>
+        <p:spPr>
+          <a:xfrm>
+            <a:off x="5268345" y="5411340"/>
+            <a:ext cx="2352860" cy="1437170"/>
+          </a:xfrm>
+          <a:prstGeom prst="rightArrow">
+            <a:avLst>
+              <a:gd name="adj1" fmla="val 35503"/>
+              <a:gd name="adj2" fmla="val 55029"/>
+            </a:avLst>
+          </a:prstGeom>
+          <a:blipFill>
+            <a:blip r:embed="rId2"/>
+          </a:blipFill>
+          <a:ln w="12700">
+            <a:miter lim="400000"/>
+          </a:ln>
+          <a:effectLst>
+            <a:outerShdw sx="100000" sy="100000" kx="0" ky="0" algn="b" rotWithShape="0" blurRad="50800" dist="25400" dir="5400000">
+              <a:srgbClr val="000000">
+                <a:alpha val="25000"/>
+              </a:srgbClr>
+            </a:outerShdw>
+          </a:effectLst>
+        </p:spPr>
+        <p:txBody>
+          <a:bodyPr lIns="50800" tIns="50800" rIns="50800" bIns="50800" anchor="ctr"/>
+          <a:lstStyle/>
+          <a:p>
+            <a:pPr>
+              <a:defRPr sz="4200">
+                <a:solidFill>
+                  <a:srgbClr val="FFFFFF"/>
+                </a:solidFill>
+                <a:effectLst>
+                  <a:outerShdw sx="100000" sy="100000" kx="0" ky="0" algn="b" rotWithShape="0" blurRad="76200" dist="12700" dir="5400000">
+                    <a:srgbClr val="000000">
+                      <a:alpha val="50000"/>
+                    </a:srgbClr>
+                  </a:outerShdw>
+                </a:effectLst>
+              </a:defRPr>
+            </a:pPr>
+          </a:p>
+        </p:txBody>
+      </p:sp>
+      <p:pic>
+        <p:nvPicPr>
+          <p:cNvPr id="149" name="vps.png" descr="vps.png"/>
+          <p:cNvPicPr>
+            <a:picLocks noChangeAspect="1"/>
+          </p:cNvPicPr>
+          <p:nvPr/>
+        </p:nvPicPr>
+        <p:blipFill>
+          <a:blip r:embed="rId3">
+            <a:extLst/>
+          </a:blip>
+          <a:stretch>
+            <a:fillRect/>
+          </a:stretch>
+        </p:blipFill>
+        <p:spPr>
+          <a:xfrm>
+            <a:off x="1315079" y="3415919"/>
+            <a:ext cx="3867340" cy="2403008"/>
+          </a:xfrm>
+          <a:prstGeom prst="rect">
+            <a:avLst/>
+          </a:prstGeom>
+          <a:ln w="25400">
+            <a:miter lim="400000"/>
+          </a:ln>
+          <a:effectLst>
+            <a:outerShdw sx="100000" sy="100000" kx="0" ky="0" algn="b" rotWithShape="0" blurRad="254000" dist="127000" dir="5400000">
+              <a:srgbClr val="000000">
+                <a:alpha val="70000"/>
+              </a:srgbClr>
+            </a:outerShdw>
+          </a:effectLst>
+        </p:spPr>
+      </p:pic>
+      <p:sp>
+        <p:nvSpPr>
+          <p:cNvPr id="150" name="VPS Hosting (2012-2015)"/>
+          <p:cNvSpPr txBox="1"/>
+          <p:nvPr/>
+        </p:nvSpPr>
+        <p:spPr>
+          <a:xfrm>
+            <a:off x="828645" y="6271655"/>
+            <a:ext cx="4437913" cy="1670049"/>
+          </a:xfrm>
+          <a:prstGeom prst="rect">
+            <a:avLst/>
+          </a:prstGeom>
+          <a:ln w="12700">
+            <a:miter lim="400000"/>
+          </a:ln>
+          <a:extLst>
+            <a:ext uri="{C572A759-6A51-4108-AA02-DFA0A04FC94B}">
+              <ma14:wrappingTextBoxFlag xmlns:ma14="http://schemas.microsoft.com/office/mac/drawingml/2011/main" val="1"/>
+            </a:ext>
+          </a:extLst>
+        </p:spPr>
+        <p:txBody>
+          <a:bodyPr lIns="50800" tIns="50800" rIns="50800" bIns="50800" anchor="ctr">
+            <a:spAutoFit/>
+          </a:bodyPr>
+          <a:lstStyle>
+            <a:lvl1pPr>
+              <a:defRPr>
+                <a:latin typeface="Phosphate Inline"/>
+                <a:ea typeface="Phosphate Inline"/>
+                <a:cs typeface="Phosphate Inline"/>
+                <a:sym typeface="Phosphate Inline"/>
+              </a:defRPr>
+            </a:lvl1pPr>
+          </a:lstStyle>
+          <a:p>
+            <a:pPr/>
+            <a:r>
+              <a:t>VPS Hosting (2012-2015)</a:t>
+            </a:r>
+          </a:p>
+        </p:txBody>
+      </p:sp>
+      <p:pic>
+        <p:nvPicPr>
+          <p:cNvPr id="151" name="cloud_in.png" descr="cloud_in.png"/>
+          <p:cNvPicPr>
+            <a:picLocks noChangeAspect="1"/>
+          </p:cNvPicPr>
+          <p:nvPr/>
+        </p:nvPicPr>
+        <p:blipFill>
+          <a:blip r:embed="rId4">
+            <a:extLst/>
+          </a:blip>
+          <a:stretch>
+            <a:fillRect/>
+          </a:stretch>
+        </p:blipFill>
+        <p:spPr>
+          <a:xfrm>
+            <a:off x="9464776" y="3276420"/>
+            <a:ext cx="2682006" cy="2682006"/>
+          </a:xfrm>
+          <a:prstGeom prst="rect">
+            <a:avLst/>
+          </a:prstGeom>
+          <a:ln w="25400">
+            <a:miter lim="400000"/>
+          </a:ln>
+          <a:effectLst>
+            <a:outerShdw sx="100000" sy="100000" kx="0" ky="0" algn="b" rotWithShape="0" blurRad="254000" dist="127000" dir="5400000">
+              <a:srgbClr val="000000">
+                <a:alpha val="70000"/>
+              </a:srgbClr>
+            </a:outerShdw>
+          </a:effectLst>
+        </p:spPr>
+      </p:pic>
+      <p:sp>
+        <p:nvSpPr>
+          <p:cNvPr id="152" name="Cloud InfraStructure(2015-2018)"/>
+          <p:cNvSpPr txBox="1"/>
+          <p:nvPr/>
+        </p:nvSpPr>
+        <p:spPr>
+          <a:xfrm>
+            <a:off x="8293575" y="6298147"/>
+            <a:ext cx="5024409" cy="2470149"/>
+          </a:xfrm>
+          <a:prstGeom prst="rect">
+            <a:avLst/>
+          </a:prstGeom>
+          <a:ln w="12700">
+            <a:miter lim="400000"/>
+          </a:ln>
+          <a:extLst>
+            <a:ext uri="{C572A759-6A51-4108-AA02-DFA0A04FC94B}">
+              <ma14:wrappingTextBoxFlag xmlns:ma14="http://schemas.microsoft.com/office/mac/drawingml/2011/main" val="1"/>
+            </a:ext>
+          </a:extLst>
+        </p:spPr>
+        <p:txBody>
+          <a:bodyPr lIns="50800" tIns="50800" rIns="50800" bIns="50800" anchor="ctr">
+            <a:spAutoFit/>
+          </a:bodyPr>
+          <a:lstStyle>
+            <a:lvl1pPr>
+              <a:defRPr>
+                <a:latin typeface="Phosphate Inline"/>
+                <a:ea typeface="Phosphate Inline"/>
+                <a:cs typeface="Phosphate Inline"/>
+                <a:sym typeface="Phosphate Inline"/>
+              </a:defRPr>
+            </a:lvl1pPr>
+          </a:lstStyle>
+          <a:p>
+            <a:pPr/>
+            <a:r>
+              <a:t>Cloud InfraStructure(2015-2018)</a:t>
+            </a:r>
+          </a:p>
+        </p:txBody>
+      </p:sp>
+      <p:sp>
+        <p:nvSpPr>
+          <p:cNvPr id="153" name="Arrow"/>
+          <p:cNvSpPr/>
+          <p:nvPr/>
+        </p:nvSpPr>
+        <p:spPr>
+          <a:xfrm>
+            <a:off x="13475952" y="5411340"/>
+            <a:ext cx="2352859" cy="1437170"/>
+          </a:xfrm>
+          <a:prstGeom prst="rightArrow">
+            <a:avLst>
+              <a:gd name="adj1" fmla="val 35503"/>
+              <a:gd name="adj2" fmla="val 55029"/>
+            </a:avLst>
+          </a:prstGeom>
+          <a:blipFill>
+            <a:blip r:embed="rId5"/>
+          </a:blipFill>
+          <a:ln w="12700">
+            <a:miter lim="400000"/>
+          </a:ln>
+          <a:effectLst>
+            <a:outerShdw sx="100000" sy="100000" kx="0" ky="0" algn="b" rotWithShape="0" blurRad="50800" dist="25400" dir="5400000">
+              <a:srgbClr val="000000">
+                <a:alpha val="25000"/>
+              </a:srgbClr>
+            </a:outerShdw>
+          </a:effectLst>
+        </p:spPr>
+        <p:txBody>
+          <a:bodyPr lIns="50800" tIns="50800" rIns="50800" bIns="50800" anchor="ctr"/>
+          <a:lstStyle/>
+          <a:p>
+            <a:pPr>
+              <a:defRPr sz="4200">
+                <a:solidFill>
+                  <a:srgbClr val="FFFFFF"/>
+                </a:solidFill>
+                <a:effectLst>
+                  <a:outerShdw sx="100000" sy="100000" kx="0" ky="0" algn="b" rotWithShape="0" blurRad="76200" dist="12700" dir="5400000">
+                    <a:srgbClr val="000000">
+                      <a:alpha val="50000"/>
+                    </a:srgbClr>
+                  </a:outerShdw>
+                </a:effectLst>
+              </a:defRPr>
+            </a:pPr>
+          </a:p>
+        </p:txBody>
+      </p:sp>
+      <p:pic>
+        <p:nvPicPr>
+          <p:cNvPr id="154" name="cloud-settings.png" descr="cloud-settings.png"/>
+          <p:cNvPicPr>
+            <a:picLocks noChangeAspect="1"/>
+          </p:cNvPicPr>
+          <p:nvPr/>
+        </p:nvPicPr>
+        <p:blipFill>
+          <a:blip r:embed="rId6">
+            <a:extLst/>
+          </a:blip>
+          <a:stretch>
+            <a:fillRect/>
+          </a:stretch>
+        </p:blipFill>
+        <p:spPr>
+          <a:xfrm>
+            <a:off x="17157980" y="2966986"/>
+            <a:ext cx="3300874" cy="3300874"/>
+          </a:xfrm>
+          <a:prstGeom prst="rect">
+            <a:avLst/>
+          </a:prstGeom>
+          <a:ln w="25400">
+            <a:miter lim="400000"/>
+          </a:ln>
+          <a:effectLst>
+            <a:outerShdw sx="100000" sy="100000" kx="0" ky="0" algn="b" rotWithShape="0" blurRad="254000" dist="127000" dir="5400000">
+              <a:srgbClr val="000000">
+                <a:alpha val="70000"/>
+              </a:srgbClr>
+            </a:outerShdw>
+          </a:effectLst>
+        </p:spPr>
+      </p:pic>
+      <p:sp>
+        <p:nvSpPr>
+          <p:cNvPr id="155" name="Developer &amp;…"/>
+          <p:cNvSpPr txBox="1"/>
+          <p:nvPr/>
+        </p:nvSpPr>
+        <p:spPr>
+          <a:xfrm>
+            <a:off x="16345000" y="6298147"/>
+            <a:ext cx="5024410" cy="2470149"/>
+          </a:xfrm>
+          <a:prstGeom prst="rect">
+            <a:avLst/>
+          </a:prstGeom>
+          <a:ln w="12700">
+            <a:miter lim="400000"/>
+          </a:ln>
+          <a:extLst>
+            <a:ext uri="{C572A759-6A51-4108-AA02-DFA0A04FC94B}">
+              <ma14:wrappingTextBoxFlag xmlns:ma14="http://schemas.microsoft.com/office/mac/drawingml/2011/main" val="1"/>
+            </a:ext>
+          </a:extLst>
+        </p:spPr>
+        <p:txBody>
+          <a:bodyPr lIns="50800" tIns="50800" rIns="50800" bIns="50800" anchor="ctr">
+            <a:spAutoFit/>
+          </a:bodyPr>
+          <a:lstStyle/>
+          <a:p>
+            <a:pPr>
+              <a:defRPr>
+                <a:latin typeface="Phosphate Inline"/>
+                <a:ea typeface="Phosphate Inline"/>
+                <a:cs typeface="Phosphate Inline"/>
+                <a:sym typeface="Phosphate Inline"/>
+              </a:defRPr>
+            </a:pPr>
+            <a:r>
+              <a:t>Developer &amp; </a:t>
+            </a:r>
+          </a:p>
+          <a:p>
+            <a:pPr>
+              <a:defRPr>
+                <a:latin typeface="Phosphate Inline"/>
+                <a:ea typeface="Phosphate Inline"/>
+                <a:cs typeface="Phosphate Inline"/>
+                <a:sym typeface="Phosphate Inline"/>
+              </a:defRPr>
+            </a:pPr>
+            <a:r>
+              <a:t>SMB cloud</a:t>
+            </a:r>
+          </a:p>
+          <a:p>
+            <a:pPr>
+              <a:defRPr>
+                <a:latin typeface="Phosphate Inline"/>
+                <a:ea typeface="Phosphate Inline"/>
+                <a:cs typeface="Phosphate Inline"/>
+                <a:sym typeface="Phosphate Inline"/>
+              </a:defRPr>
+            </a:pPr>
+            <a:r>
+              <a:t>(2018-)</a:t>
+            </a:r>
+          </a:p>
+        </p:txBody>
+      </p:sp>
+      <p:sp>
+        <p:nvSpPr>
+          <p:cNvPr id="156" name="&gt; Droplets"/>
+          <p:cNvSpPr txBox="1"/>
+          <p:nvPr/>
+        </p:nvSpPr>
+        <p:spPr>
+          <a:xfrm>
+            <a:off x="1202453" y="9504777"/>
+            <a:ext cx="2452937" cy="535857"/>
+          </a:xfrm>
+          <a:prstGeom prst="rect">
+            <a:avLst/>
+          </a:prstGeom>
+          <a:ln w="12700">
+            <a:miter lim="400000"/>
+          </a:ln>
+          <a:extLst>
+            <a:ext uri="{C572A759-6A51-4108-AA02-DFA0A04FC94B}">
+              <ma14:wrappingTextBoxFlag xmlns:ma14="http://schemas.microsoft.com/office/mac/drawingml/2011/main" val="1"/>
+            </a:ext>
+          </a:extLst>
+        </p:spPr>
+        <p:txBody>
+          <a:bodyPr wrap="none" lIns="50800" tIns="50800" rIns="50800" bIns="50800" anchor="ctr">
+            <a:spAutoFit/>
+          </a:bodyPr>
+          <a:lstStyle>
+            <a:lvl1pPr>
+              <a:defRPr sz="3400">
+                <a:solidFill>
+                  <a:srgbClr val="3D51E2"/>
+                </a:solidFill>
+                <a:latin typeface="Rockwell Bold"/>
+                <a:ea typeface="Rockwell Bold"/>
+                <a:cs typeface="Rockwell Bold"/>
+                <a:sym typeface="Rockwell Bold"/>
+              </a:defRPr>
+            </a:lvl1pPr>
+          </a:lstStyle>
+          <a:p>
+            <a:pPr/>
+            <a:r>
+              <a:t>&gt; Droplets</a:t>
+            </a:r>
+          </a:p>
+        </p:txBody>
+      </p:sp>
+      <p:sp>
+        <p:nvSpPr>
+          <p:cNvPr id="157" name="&gt;Volume…"/>
+          <p:cNvSpPr txBox="1"/>
+          <p:nvPr/>
+        </p:nvSpPr>
+        <p:spPr>
+          <a:xfrm>
+            <a:off x="8360244" y="9410934"/>
+            <a:ext cx="3983845" cy="2097957"/>
+          </a:xfrm>
+          <a:prstGeom prst="rect">
+            <a:avLst/>
+          </a:prstGeom>
+          <a:ln w="12700">
+            <a:miter lim="400000"/>
+          </a:ln>
+          <a:extLst>
+            <a:ext uri="{C572A759-6A51-4108-AA02-DFA0A04FC94B}">
+              <ma14:wrappingTextBoxFlag xmlns:ma14="http://schemas.microsoft.com/office/mac/drawingml/2011/main" val="1"/>
+            </a:ext>
+          </a:extLst>
+        </p:spPr>
+        <p:txBody>
+          <a:bodyPr wrap="none" lIns="50800" tIns="50800" rIns="50800" bIns="50800" anchor="ctr">
+            <a:spAutoFit/>
+          </a:bodyPr>
+          <a:lstStyle/>
+          <a:p>
+            <a:pPr algn="l">
+              <a:defRPr sz="3400">
+                <a:solidFill>
+                  <a:srgbClr val="3D51E2"/>
+                </a:solidFill>
+                <a:latin typeface="Rockwell Bold"/>
+                <a:ea typeface="Rockwell Bold"/>
+                <a:cs typeface="Rockwell Bold"/>
+                <a:sym typeface="Rockwell Bold"/>
+              </a:defRPr>
+            </a:pPr>
+            <a:r>
+              <a:t>&gt;Volume</a:t>
+            </a:r>
+          </a:p>
+          <a:p>
+            <a:pPr algn="l">
+              <a:defRPr sz="3400">
+                <a:solidFill>
+                  <a:srgbClr val="3D51E2"/>
+                </a:solidFill>
+                <a:latin typeface="Rockwell Bold"/>
+                <a:ea typeface="Rockwell Bold"/>
+                <a:cs typeface="Rockwell Bold"/>
+                <a:sym typeface="Rockwell Bold"/>
+              </a:defRPr>
+            </a:pPr>
+            <a:r>
+              <a:t>&gt;Load Balancers</a:t>
+            </a:r>
+          </a:p>
+          <a:p>
+            <a:pPr algn="l">
+              <a:defRPr sz="3400">
+                <a:solidFill>
+                  <a:srgbClr val="3D51E2"/>
+                </a:solidFill>
+                <a:latin typeface="Rockwell Bold"/>
+                <a:ea typeface="Rockwell Bold"/>
+                <a:cs typeface="Rockwell Bold"/>
+                <a:sym typeface="Rockwell Bold"/>
+              </a:defRPr>
+            </a:pPr>
+            <a:r>
+              <a:t>&gt;Spaces</a:t>
+            </a:r>
+          </a:p>
+          <a:p>
+            <a:pPr algn="l">
+              <a:defRPr sz="3400">
+                <a:solidFill>
+                  <a:srgbClr val="3D51E2"/>
+                </a:solidFill>
+                <a:latin typeface="Rockwell Bold"/>
+                <a:ea typeface="Rockwell Bold"/>
+                <a:cs typeface="Rockwell Bold"/>
+                <a:sym typeface="Rockwell Bold"/>
+              </a:defRPr>
+            </a:pPr>
+            <a:r>
+              <a:t>&gt;Cloud Firewalls</a:t>
+            </a:r>
+          </a:p>
+        </p:txBody>
+      </p:sp>
+      <p:sp>
+        <p:nvSpPr>
+          <p:cNvPr id="158" name="&gt;Managed Databases…"/>
+          <p:cNvSpPr txBox="1"/>
+          <p:nvPr/>
+        </p:nvSpPr>
+        <p:spPr>
+          <a:xfrm>
+            <a:off x="16297408" y="9410934"/>
+            <a:ext cx="5022020" cy="2097957"/>
+          </a:xfrm>
+          <a:prstGeom prst="rect">
+            <a:avLst/>
+          </a:prstGeom>
+          <a:ln w="12700">
+            <a:miter lim="400000"/>
+          </a:ln>
+          <a:extLst>
+            <a:ext uri="{C572A759-6A51-4108-AA02-DFA0A04FC94B}">
+              <ma14:wrappingTextBoxFlag xmlns:ma14="http://schemas.microsoft.com/office/mac/drawingml/2011/main" val="1"/>
+            </a:ext>
+          </a:extLst>
+        </p:spPr>
+        <p:txBody>
+          <a:bodyPr wrap="none" lIns="50800" tIns="50800" rIns="50800" bIns="50800" anchor="ctr">
+            <a:spAutoFit/>
+          </a:bodyPr>
+          <a:lstStyle/>
+          <a:p>
+            <a:pPr algn="l">
+              <a:defRPr sz="3400">
+                <a:solidFill>
+                  <a:srgbClr val="3D51E2"/>
+                </a:solidFill>
+                <a:latin typeface="Rockwell Bold"/>
+                <a:ea typeface="Rockwell Bold"/>
+                <a:cs typeface="Rockwell Bold"/>
+                <a:sym typeface="Rockwell Bold"/>
+              </a:defRPr>
+            </a:pPr>
+            <a:r>
+              <a:t>&gt;Managed Databases</a:t>
+            </a:r>
+          </a:p>
+          <a:p>
+            <a:pPr algn="l">
+              <a:defRPr sz="3400">
+                <a:solidFill>
+                  <a:srgbClr val="3D51E2"/>
+                </a:solidFill>
+                <a:latin typeface="Rockwell Bold"/>
+                <a:ea typeface="Rockwell Bold"/>
+                <a:cs typeface="Rockwell Bold"/>
+                <a:sym typeface="Rockwell Bold"/>
+              </a:defRPr>
+            </a:pPr>
+            <a:r>
+              <a:t>&gt;Marketplace</a:t>
+            </a:r>
+          </a:p>
+          <a:p>
+            <a:pPr algn="l">
+              <a:defRPr sz="3400">
+                <a:solidFill>
+                  <a:srgbClr val="3D51E2"/>
+                </a:solidFill>
+                <a:latin typeface="Rockwell Bold"/>
+                <a:ea typeface="Rockwell Bold"/>
+                <a:cs typeface="Rockwell Bold"/>
+                <a:sym typeface="Rockwell Bold"/>
+              </a:defRPr>
+            </a:pPr>
+            <a:r>
+              <a:t>&gt;Manage Kubernetes</a:t>
+            </a:r>
+          </a:p>
+          <a:p>
+            <a:pPr algn="l">
+              <a:defRPr sz="3400">
+                <a:solidFill>
+                  <a:srgbClr val="3D51E2"/>
+                </a:solidFill>
+                <a:latin typeface="Rockwell Bold"/>
+                <a:ea typeface="Rockwell Bold"/>
+                <a:cs typeface="Rockwell Bold"/>
+                <a:sym typeface="Rockwell Bold"/>
+              </a:defRPr>
+            </a:pPr>
+            <a:r>
+              <a:t>&gt;App Platform</a:t>
+            </a:r>
+          </a:p>
+        </p:txBody>
+      </p:sp>
+    </p:spTree>
+  </p:cSld>
+  <p:clrMapOvr>
+    <a:masterClrMapping/>
+  </p:clrMapOvr>
+  <p:transition xmlns:p14="http://schemas.microsoft.com/office/powerpoint/2010/main" spd="med" advClick="1"/>
+</p:sld>
+</file>
+
+<file path=ppt/slides/slide6.xml><?xml version="1.0" encoding="utf-8"?>
+<p:sld xmlns:a="http://schemas.openxmlformats.org/drawingml/2006/main" xmlns:r="http://schemas.openxmlformats.org/officeDocument/2006/relationships" xmlns:p="http://schemas.openxmlformats.org/presentationml/2006/main" xmlns:m="http://schemas.openxmlformats.org/officeDocument/2006/math" xmlns:a14="http://schemas.microsoft.com/office/drawing/2010/main" showMasterSp="1" showMasterPhAnim="1">
+  <p:cSld>
+    <p:spTree>
+      <p:nvGrpSpPr>
+        <p:cNvPr id="1" name=""/>
+        <p:cNvGrpSpPr/>
+        <p:nvPr/>
+      </p:nvGrpSpPr>
+      <p:grpSpPr>
+        <a:xfrm>
+          <a:off x="0" y="0"/>
+          <a:ext cx="0" cy="0"/>
+          <a:chOff x="0" y="0"/>
+          <a:chExt cx="0" cy="0"/>
+        </a:xfrm>
+      </p:grpSpPr>
+      <p:sp>
+        <p:nvSpPr>
+          <p:cNvPr id="160" name="Team Leaders:"/>
           <p:cNvSpPr txBox="1"/>
           <p:nvPr/>
         </p:nvSpPr>
@@ -3353,7 +5560,7 @@
       </p:sp>
       <p:grpSp>
         <p:nvGrpSpPr>
-          <p:cNvPr id="132" name="Group"/>
+          <p:cNvPr id="166" name="Group"/>
           <p:cNvGrpSpPr/>
           <p:nvPr/>
         </p:nvGrpSpPr>
@@ -3367,7 +5574,7 @@
         </p:grpSpPr>
         <p:sp>
           <p:nvSpPr>
-            <p:cNvPr id="127" name="Oval"/>
+            <p:cNvPr id="161" name="Oval"/>
             <p:cNvSpPr/>
             <p:nvPr/>
           </p:nvSpPr>
@@ -3422,7 +5629,7 @@
         </p:sp>
         <p:pic>
           <p:nvPicPr>
-            <p:cNvPr id="128" name="ceo.jpeg" descr="ceo.jpeg"/>
+            <p:cNvPr id="162" name="ceo.jpeg" descr="ceo.jpeg"/>
             <p:cNvPicPr>
               <a:picLocks noChangeAspect="1"/>
             </p:cNvPicPr>
@@ -3510,7 +5717,7 @@
         </p:pic>
         <p:sp>
           <p:nvSpPr>
-            <p:cNvPr id="129" name="Rounded Rectangle"/>
+            <p:cNvPr id="163" name="Rounded Rectangle"/>
             <p:cNvSpPr/>
             <p:nvPr/>
           </p:nvSpPr>
@@ -3568,7 +5775,7 @@
         </p:sp>
         <p:sp>
           <p:nvSpPr>
-            <p:cNvPr id="130" name="CEO(2019-Present)"/>
+            <p:cNvPr id="164" name="CEO(2019-Present)"/>
             <p:cNvSpPr txBox="1"/>
             <p:nvPr/>
           </p:nvSpPr>
@@ -3621,7 +5828,7 @@
         </p:sp>
         <p:sp>
           <p:nvSpPr>
-            <p:cNvPr id="131" name="Yancey Spruill"/>
+            <p:cNvPr id="165" name="Yancey Spruill"/>
             <p:cNvSpPr txBox="1"/>
             <p:nvPr/>
           </p:nvSpPr>
@@ -3670,7 +5877,7 @@
       </p:grpSp>
       <p:grpSp>
         <p:nvGrpSpPr>
-          <p:cNvPr id="138" name="Group"/>
+          <p:cNvPr id="172" name="Group"/>
           <p:cNvGrpSpPr/>
           <p:nvPr/>
         </p:nvGrpSpPr>
@@ -3684,7 +5891,7 @@
         </p:grpSpPr>
         <p:sp>
           <p:nvSpPr>
-            <p:cNvPr id="133" name="Oval"/>
+            <p:cNvPr id="167" name="Oval"/>
             <p:cNvSpPr/>
             <p:nvPr/>
           </p:nvSpPr>
@@ -3741,7 +5948,7 @@
         </p:sp>
         <p:pic>
           <p:nvPicPr>
-            <p:cNvPr id="134" name="cfo.jpeg" descr="cfo.jpeg"/>
+            <p:cNvPr id="168" name="cfo.jpeg" descr="cfo.jpeg"/>
             <p:cNvPicPr>
               <a:picLocks noChangeAspect="1"/>
             </p:cNvPicPr>
@@ -3844,7 +6051,7 @@
         </p:pic>
         <p:sp>
           <p:nvSpPr>
-            <p:cNvPr id="135" name="Rounded Rectangle"/>
+            <p:cNvPr id="169" name="Rounded Rectangle"/>
             <p:cNvSpPr/>
             <p:nvPr/>
           </p:nvSpPr>
@@ -3902,7 +6109,7 @@
         </p:sp>
         <p:sp>
           <p:nvSpPr>
-            <p:cNvPr id="136" name="CFO(2023-Present)"/>
+            <p:cNvPr id="170" name="CFO(2023-Present)"/>
             <p:cNvSpPr txBox="1"/>
             <p:nvPr/>
           </p:nvSpPr>
@@ -3955,7 +6162,7 @@
         </p:sp>
         <p:sp>
           <p:nvSpPr>
-            <p:cNvPr id="137" name="Matt Steinfort"/>
+            <p:cNvPr id="171" name="Matt Steinfort"/>
             <p:cNvSpPr txBox="1"/>
             <p:nvPr/>
           </p:nvSpPr>
@@ -4004,7 +6211,7 @@
       </p:grpSp>
       <p:grpSp>
         <p:nvGrpSpPr>
-          <p:cNvPr id="144" name="Group"/>
+          <p:cNvPr id="178" name="Group"/>
           <p:cNvGrpSpPr/>
           <p:nvPr/>
         </p:nvGrpSpPr>
@@ -4018,7 +6225,7 @@
         </p:grpSpPr>
         <p:sp>
           <p:nvSpPr>
-            <p:cNvPr id="139" name="Oval"/>
+            <p:cNvPr id="173" name="Oval"/>
             <p:cNvSpPr/>
             <p:nvPr/>
           </p:nvSpPr>
@@ -4071,7 +6278,7 @@
         </p:sp>
         <p:pic>
           <p:nvPicPr>
-            <p:cNvPr id="140" name="ee.jpeg" descr="ee.jpeg"/>
+            <p:cNvPr id="174" name="ee.jpeg" descr="ee.jpeg"/>
             <p:cNvPicPr>
               <a:picLocks noChangeAspect="1"/>
             </p:cNvPicPr>
@@ -4174,7 +6381,7 @@
         </p:pic>
         <p:sp>
           <p:nvSpPr>
-            <p:cNvPr id="141" name="Rounded Rectangle"/>
+            <p:cNvPr id="175" name="Rounded Rectangle"/>
             <p:cNvSpPr/>
             <p:nvPr/>
           </p:nvSpPr>
@@ -4232,7 +6439,7 @@
         </p:sp>
         <p:sp>
           <p:nvSpPr>
-            <p:cNvPr id="142" name="VP&amp; GM of Architecture(2022-Present)"/>
+            <p:cNvPr id="176" name="VP&amp; GM of Architecture(2022-Present)"/>
             <p:cNvSpPr/>
             <p:nvPr/>
           </p:nvSpPr>
@@ -4285,7 +6492,7 @@
         </p:sp>
         <p:sp>
           <p:nvSpPr>
-            <p:cNvPr id="143" name="Al Sene"/>
+            <p:cNvPr id="177" name="Al Sene"/>
             <p:cNvSpPr/>
             <p:nvPr/>
           </p:nvSpPr>
@@ -4334,7 +6541,7 @@
       </p:grpSp>
       <p:grpSp>
         <p:nvGrpSpPr>
-          <p:cNvPr id="150" name="Group"/>
+          <p:cNvPr id="184" name="Group"/>
           <p:cNvGrpSpPr/>
           <p:nvPr/>
         </p:nvGrpSpPr>
@@ -4348,7 +6555,7 @@
         </p:grpSpPr>
         <p:sp>
           <p:nvSpPr>
-            <p:cNvPr id="145" name="Oval"/>
+            <p:cNvPr id="179" name="Oval"/>
             <p:cNvSpPr/>
             <p:nvPr/>
           </p:nvSpPr>
@@ -4401,7 +6608,7 @@
         </p:sp>
         <p:pic>
           <p:nvPicPr>
-            <p:cNvPr id="146" name="sce.jpeg" descr="sce.jpeg"/>
+            <p:cNvPr id="180" name="sce.jpeg" descr="sce.jpeg"/>
             <p:cNvPicPr>
               <a:picLocks noChangeAspect="1"/>
             </p:cNvPicPr>
@@ -4504,7 +6711,7 @@
         </p:pic>
         <p:sp>
           <p:nvSpPr>
-            <p:cNvPr id="147" name="Rounded Rectangle"/>
+            <p:cNvPr id="181" name="Rounded Rectangle"/>
             <p:cNvSpPr/>
             <p:nvPr/>
           </p:nvSpPr>
@@ -4562,7 +6769,7 @@
         </p:sp>
         <p:sp>
           <p:nvSpPr>
-            <p:cNvPr id="148" name="Senior VP Corporate Communications(2023-Present)"/>
+            <p:cNvPr id="182" name="Senior VP Corporate Communications(2023-Present)"/>
             <p:cNvSpPr txBox="1"/>
             <p:nvPr/>
           </p:nvSpPr>
@@ -4615,7 +6822,7 @@
         </p:sp>
         <p:sp>
           <p:nvSpPr>
-            <p:cNvPr id="149" name="Nancy Coleman"/>
+            <p:cNvPr id="183" name="Nancy Coleman"/>
             <p:cNvSpPr txBox="1"/>
             <p:nvPr/>
           </p:nvSpPr>
@@ -4664,7 +6871,7 @@
       </p:grpSp>
       <p:grpSp>
         <p:nvGrpSpPr>
-          <p:cNvPr id="156" name="Group"/>
+          <p:cNvPr id="190" name="Group"/>
           <p:cNvGrpSpPr/>
           <p:nvPr/>
         </p:nvGrpSpPr>
@@ -4678,7 +6885,7 @@
         </p:grpSpPr>
         <p:sp>
           <p:nvSpPr>
-            <p:cNvPr id="151" name="Oval"/>
+            <p:cNvPr id="185" name="Oval"/>
             <p:cNvSpPr/>
             <p:nvPr/>
           </p:nvSpPr>
@@ -4731,7 +6938,7 @@
         </p:sp>
         <p:pic>
           <p:nvPicPr>
-            <p:cNvPr id="152" name="gc.jpeg" descr="gc.jpeg"/>
+            <p:cNvPr id="186" name="gc.jpeg" descr="gc.jpeg"/>
             <p:cNvPicPr>
               <a:picLocks noChangeAspect="1"/>
             </p:cNvPicPr>
@@ -4834,7 +7041,7 @@
         </p:pic>
         <p:sp>
           <p:nvSpPr>
-            <p:cNvPr id="153" name="Rounded Rectangle"/>
+            <p:cNvPr id="187" name="Rounded Rectangle"/>
             <p:cNvSpPr/>
             <p:nvPr/>
           </p:nvSpPr>
@@ -4892,7 +7099,7 @@
         </p:sp>
         <p:sp>
           <p:nvSpPr>
-            <p:cNvPr id="154" name="General Counsel(2017-Present)"/>
+            <p:cNvPr id="188" name="General Counsel(2017-Present)"/>
             <p:cNvSpPr txBox="1"/>
             <p:nvPr/>
           </p:nvSpPr>
@@ -4945,7 +7152,7 @@
         </p:sp>
         <p:sp>
           <p:nvSpPr>
-            <p:cNvPr id="155" name="Alan Shapiro"/>
+            <p:cNvPr id="189" name="Alan Shapiro"/>
             <p:cNvSpPr txBox="1"/>
             <p:nvPr/>
           </p:nvSpPr>
@@ -4994,7 +7201,7 @@
       </p:grpSp>
       <p:grpSp>
         <p:nvGrpSpPr>
-          <p:cNvPr id="162" name="Group"/>
+          <p:cNvPr id="196" name="Group"/>
           <p:cNvGrpSpPr/>
           <p:nvPr/>
         </p:nvGrpSpPr>
@@ -5008,7 +7215,7 @@
         </p:grpSpPr>
         <p:sp>
           <p:nvSpPr>
-            <p:cNvPr id="157" name="Oval"/>
+            <p:cNvPr id="191" name="Oval"/>
             <p:cNvSpPr/>
             <p:nvPr/>
           </p:nvSpPr>
@@ -5065,7 +7272,7 @@
         </p:sp>
         <p:pic>
           <p:nvPicPr>
-            <p:cNvPr id="158" name="cso.jpeg" descr="cso.jpeg"/>
+            <p:cNvPr id="192" name="cso.jpeg" descr="cso.jpeg"/>
             <p:cNvPicPr>
               <a:picLocks noChangeAspect="1"/>
             </p:cNvPicPr>
@@ -5168,7 +7375,7 @@
         </p:pic>
         <p:sp>
           <p:nvSpPr>
-            <p:cNvPr id="159" name="Rounded Rectangle"/>
+            <p:cNvPr id="193" name="Rounded Rectangle"/>
             <p:cNvSpPr/>
             <p:nvPr/>
           </p:nvSpPr>
@@ -5226,7 +7433,7 @@
         </p:sp>
         <p:sp>
           <p:nvSpPr>
-            <p:cNvPr id="160" name="CSO(2022-Present)"/>
+            <p:cNvPr id="194" name="CSO(2022-Present)"/>
             <p:cNvSpPr txBox="1"/>
             <p:nvPr/>
           </p:nvSpPr>
@@ -5279,7 +7486,7 @@
         </p:sp>
         <p:sp>
           <p:nvSpPr>
-            <p:cNvPr id="161" name="Megan Wood"/>
+            <p:cNvPr id="195" name="Megan Wood"/>
             <p:cNvSpPr txBox="1"/>
             <p:nvPr/>
           </p:nvSpPr>
@@ -5328,7 +7535,7 @@
       </p:grpSp>
       <p:grpSp>
         <p:nvGrpSpPr>
-          <p:cNvPr id="168" name="Group"/>
+          <p:cNvPr id="202" name="Group"/>
           <p:cNvGrpSpPr/>
           <p:nvPr/>
         </p:nvGrpSpPr>
@@ -5342,7 +7549,7 @@
         </p:grpSpPr>
         <p:sp>
           <p:nvSpPr>
-            <p:cNvPr id="163" name="Oval"/>
+            <p:cNvPr id="197" name="Oval"/>
             <p:cNvSpPr/>
             <p:nvPr/>
           </p:nvSpPr>
@@ -5399,7 +7606,7 @@
         </p:sp>
         <p:pic>
           <p:nvPicPr>
-            <p:cNvPr id="164" name="coo.jpeg" descr="coo.jpeg"/>
+            <p:cNvPr id="198" name="coo.jpeg" descr="coo.jpeg"/>
             <p:cNvPicPr>
               <a:picLocks noChangeAspect="1"/>
             </p:cNvPicPr>
@@ -5502,7 +7709,7 @@
         </p:pic>
         <p:sp>
           <p:nvSpPr>
-            <p:cNvPr id="165" name="Rounded Rectangle"/>
+            <p:cNvPr id="199" name="Rounded Rectangle"/>
             <p:cNvSpPr/>
             <p:nvPr/>
           </p:nvSpPr>
@@ -5560,7 +7767,7 @@
         </p:sp>
         <p:sp>
           <p:nvSpPr>
-            <p:cNvPr id="166" name="C0O(2020-Present)"/>
+            <p:cNvPr id="200" name="C0O(2020-Present)"/>
             <p:cNvSpPr txBox="1"/>
             <p:nvPr/>
           </p:nvSpPr>
@@ -5613,7 +7820,7 @@
         </p:sp>
         <p:sp>
           <p:nvSpPr>
-            <p:cNvPr id="167" name="Jeffrey S. Guy"/>
+            <p:cNvPr id="201" name="Jeffrey S. Guy"/>
             <p:cNvSpPr txBox="1"/>
             <p:nvPr/>
           </p:nvSpPr>
@@ -5662,7 +7869,7 @@
       </p:grpSp>
       <p:grpSp>
         <p:nvGrpSpPr>
-          <p:cNvPr id="174" name="Group"/>
+          <p:cNvPr id="208" name="Group"/>
           <p:cNvGrpSpPr/>
           <p:nvPr/>
         </p:nvGrpSpPr>
@@ -5676,7 +7883,7 @@
         </p:grpSpPr>
         <p:sp>
           <p:nvSpPr>
-            <p:cNvPr id="169" name="Oval"/>
+            <p:cNvPr id="203" name="Oval"/>
             <p:cNvSpPr/>
             <p:nvPr/>
           </p:nvSpPr>
@@ -5733,7 +7940,7 @@
         </p:sp>
         <p:pic>
           <p:nvPicPr>
-            <p:cNvPr id="170" name="cpo.jpeg" descr="cpo.jpeg"/>
+            <p:cNvPr id="204" name="cpo.jpeg" descr="cpo.jpeg"/>
             <p:cNvPicPr>
               <a:picLocks noChangeAspect="1"/>
             </p:cNvPicPr>
@@ -5836,7 +8043,7 @@
         </p:pic>
         <p:sp>
           <p:nvSpPr>
-            <p:cNvPr id="171" name="Rounded Rectangle"/>
+            <p:cNvPr id="205" name="Rounded Rectangle"/>
             <p:cNvSpPr/>
             <p:nvPr/>
           </p:nvSpPr>
@@ -5894,7 +8101,7 @@
         </p:sp>
         <p:sp>
           <p:nvSpPr>
-            <p:cNvPr id="172" name="CPO(2020-Present)"/>
+            <p:cNvPr id="206" name="CPO(2020-Present)"/>
             <p:cNvSpPr txBox="1"/>
             <p:nvPr/>
           </p:nvSpPr>
@@ -5947,7 +8154,7 @@
         </p:sp>
         <p:sp>
           <p:nvSpPr>
-            <p:cNvPr id="173" name="Matt Norman"/>
+            <p:cNvPr id="207" name="Matt Norman"/>
             <p:cNvSpPr txBox="1"/>
             <p:nvPr/>
           </p:nvSpPr>
@@ -5996,7 +8203,7 @@
       </p:grpSp>
       <p:grpSp>
         <p:nvGrpSpPr>
-          <p:cNvPr id="180" name="Group"/>
+          <p:cNvPr id="214" name="Group"/>
           <p:cNvGrpSpPr/>
           <p:nvPr/>
         </p:nvGrpSpPr>
@@ -6010,7 +8217,7 @@
         </p:grpSpPr>
         <p:sp>
           <p:nvSpPr>
-            <p:cNvPr id="175" name="Oval"/>
+            <p:cNvPr id="209" name="Oval"/>
             <p:cNvSpPr/>
             <p:nvPr/>
           </p:nvSpPr>
@@ -6067,7 +8274,7 @@
         </p:sp>
         <p:pic>
           <p:nvPicPr>
-            <p:cNvPr id="176" name="cro.jpeg" descr="cro.jpeg"/>
+            <p:cNvPr id="210" name="cro.jpeg" descr="cro.jpeg"/>
             <p:cNvPicPr>
               <a:picLocks noChangeAspect="1"/>
             </p:cNvPicPr>
@@ -6170,7 +8377,7 @@
         </p:pic>
         <p:sp>
           <p:nvSpPr>
-            <p:cNvPr id="177" name="Rounded Rectangle"/>
+            <p:cNvPr id="211" name="Rounded Rectangle"/>
             <p:cNvSpPr/>
             <p:nvPr/>
           </p:nvSpPr>
@@ -6228,7 +8435,7 @@
         </p:sp>
         <p:sp>
           <p:nvSpPr>
-            <p:cNvPr id="178" name="CRO(2023-Present)"/>
+            <p:cNvPr id="212" name="CRO(2023-Present)"/>
             <p:cNvSpPr txBox="1"/>
             <p:nvPr/>
           </p:nvSpPr>
@@ -6281,7 +8488,7 @@
         </p:sp>
         <p:sp>
           <p:nvSpPr>
-            <p:cNvPr id="179" name="Aaqib Gadit"/>
+            <p:cNvPr id="213" name="Aaqib Gadit"/>
             <p:cNvSpPr txBox="1"/>
             <p:nvPr/>
           </p:nvSpPr>
@@ -6330,7 +8537,7 @@
       </p:grpSp>
       <p:grpSp>
         <p:nvGrpSpPr>
-          <p:cNvPr id="186" name="Group"/>
+          <p:cNvPr id="220" name="Group"/>
           <p:cNvGrpSpPr/>
           <p:nvPr/>
         </p:nvGrpSpPr>
@@ -6344,7 +8551,7 @@
         </p:grpSpPr>
         <p:sp>
           <p:nvSpPr>
-            <p:cNvPr id="181" name="Oval"/>
+            <p:cNvPr id="215" name="Oval"/>
             <p:cNvSpPr/>
             <p:nvPr/>
           </p:nvSpPr>
@@ -6397,7 +8604,7 @@
         </p:sp>
         <p:pic>
           <p:nvPicPr>
-            <p:cNvPr id="182" name="vp.jpeg" descr="vp.jpeg"/>
+            <p:cNvPr id="216" name="vp.jpeg" descr="vp.jpeg"/>
             <p:cNvPicPr>
               <a:picLocks noChangeAspect="1"/>
             </p:cNvPicPr>
@@ -6500,7 +8707,7 @@
         </p:pic>
         <p:sp>
           <p:nvSpPr>
-            <p:cNvPr id="183" name="Rounded Rectangle"/>
+            <p:cNvPr id="217" name="Rounded Rectangle"/>
             <p:cNvSpPr/>
             <p:nvPr/>
           </p:nvSpPr>
@@ -6558,7 +8765,7 @@
         </p:sp>
         <p:sp>
           <p:nvSpPr>
-            <p:cNvPr id="184" name="VP, Infrastructure(2020-Present)"/>
+            <p:cNvPr id="218" name="VP, Infrastructure(2020-Present)"/>
             <p:cNvSpPr/>
             <p:nvPr/>
           </p:nvSpPr>
@@ -6645,7 +8852,7 @@
         </p:sp>
         <p:sp>
           <p:nvSpPr>
-            <p:cNvPr id="185" name="Chris Higgins"/>
+            <p:cNvPr id="219" name="Chris Higgins"/>
             <p:cNvSpPr/>
             <p:nvPr/>
           </p:nvSpPr>
@@ -6694,7 +8901,7 @@
       </p:grpSp>
       <p:sp>
         <p:nvSpPr>
-          <p:cNvPr id="205" name="Connection Line"/>
+          <p:cNvPr id="239" name="Connection Line"/>
           <p:cNvSpPr/>
           <p:nvPr/>
         </p:nvSpPr>
@@ -6752,7 +8959,7 @@
       </p:sp>
       <p:sp>
         <p:nvSpPr>
-          <p:cNvPr id="206" name="Connection Line"/>
+          <p:cNvPr id="240" name="Connection Line"/>
           <p:cNvSpPr/>
           <p:nvPr/>
         </p:nvSpPr>
@@ -6810,7 +9017,7 @@
       </p:sp>
       <p:sp>
         <p:nvSpPr>
-          <p:cNvPr id="207" name="Connection Line"/>
+          <p:cNvPr id="241" name="Connection Line"/>
           <p:cNvSpPr/>
           <p:nvPr/>
         </p:nvSpPr>
@@ -6866,7 +9073,7 @@
       </p:sp>
       <p:sp>
         <p:nvSpPr>
-          <p:cNvPr id="208" name="Connection Line"/>
+          <p:cNvPr id="242" name="Connection Line"/>
           <p:cNvSpPr/>
           <p:nvPr/>
         </p:nvSpPr>
@@ -6924,7 +9131,7 @@
       </p:sp>
       <p:sp>
         <p:nvSpPr>
-          <p:cNvPr id="209" name="Connection Line"/>
+          <p:cNvPr id="243" name="Connection Line"/>
           <p:cNvSpPr/>
           <p:nvPr/>
         </p:nvSpPr>
@@ -6982,7 +9189,7 @@
       </p:sp>
       <p:sp>
         <p:nvSpPr>
-          <p:cNvPr id="210" name="Connection Line"/>
+          <p:cNvPr id="244" name="Connection Line"/>
           <p:cNvSpPr/>
           <p:nvPr/>
         </p:nvSpPr>
@@ -7040,7 +9247,7 @@
       </p:sp>
       <p:sp>
         <p:nvSpPr>
-          <p:cNvPr id="211" name="Connection Line"/>
+          <p:cNvPr id="245" name="Connection Line"/>
           <p:cNvSpPr/>
           <p:nvPr/>
         </p:nvSpPr>
@@ -7098,7 +9305,7 @@
       </p:sp>
       <p:sp>
         <p:nvSpPr>
-          <p:cNvPr id="194" name="Finance"/>
+          <p:cNvPr id="228" name="Finance"/>
           <p:cNvSpPr txBox="1"/>
           <p:nvPr/>
         </p:nvSpPr>
@@ -7146,7 +9353,7 @@
       </p:sp>
       <p:sp>
         <p:nvSpPr>
-          <p:cNvPr id="195" name="Operations"/>
+          <p:cNvPr id="229" name="Operations"/>
           <p:cNvSpPr txBox="1"/>
           <p:nvPr/>
         </p:nvSpPr>
@@ -7194,7 +9401,7 @@
       </p:sp>
       <p:sp>
         <p:nvSpPr>
-          <p:cNvPr id="196" name="HR"/>
+          <p:cNvPr id="230" name="HR"/>
           <p:cNvSpPr txBox="1"/>
           <p:nvPr/>
         </p:nvSpPr>
@@ -7242,7 +9449,7 @@
       </p:sp>
       <p:sp>
         <p:nvSpPr>
-          <p:cNvPr id="197" name="Revenue"/>
+          <p:cNvPr id="231" name="Revenue"/>
           <p:cNvSpPr txBox="1"/>
           <p:nvPr/>
         </p:nvSpPr>
@@ -7290,7 +9497,7 @@
       </p:sp>
       <p:sp>
         <p:nvSpPr>
-          <p:cNvPr id="198" name="Strategy"/>
+          <p:cNvPr id="232" name="Strategy"/>
           <p:cNvSpPr txBox="1"/>
           <p:nvPr/>
         </p:nvSpPr>
@@ -7338,7 +9545,7 @@
       </p:sp>
       <p:sp>
         <p:nvSpPr>
-          <p:cNvPr id="199" name="Legal"/>
+          <p:cNvPr id="233" name="Legal"/>
           <p:cNvSpPr txBox="1"/>
           <p:nvPr/>
         </p:nvSpPr>
@@ -7386,7 +9593,7 @@
       </p:sp>
       <p:sp>
         <p:nvSpPr>
-          <p:cNvPr id="200" name="Communications"/>
+          <p:cNvPr id="234" name="Communications"/>
           <p:cNvSpPr txBox="1"/>
           <p:nvPr/>
         </p:nvSpPr>
@@ -7434,7 +9641,7 @@
       </p:sp>
       <p:sp>
         <p:nvSpPr>
-          <p:cNvPr id="201" name="Architecture &amp; Engineering"/>
+          <p:cNvPr id="235" name="Architecture &amp; Engineering"/>
           <p:cNvSpPr txBox="1"/>
           <p:nvPr/>
         </p:nvSpPr>
@@ -7482,7 +9689,7 @@
       </p:sp>
       <p:sp>
         <p:nvSpPr>
-          <p:cNvPr id="212" name="Connection Line"/>
+          <p:cNvPr id="246" name="Connection Line"/>
           <p:cNvSpPr/>
           <p:nvPr/>
         </p:nvSpPr>
@@ -7540,7 +9747,7 @@
       </p:sp>
       <p:sp>
         <p:nvSpPr>
-          <p:cNvPr id="213" name="Connection Line"/>
+          <p:cNvPr id="247" name="Connection Line"/>
           <p:cNvSpPr/>
           <p:nvPr/>
         </p:nvSpPr>
@@ -7598,7 +9805,7 @@
       </p:sp>
       <p:sp>
         <p:nvSpPr>
-          <p:cNvPr id="204" name="Infrastructure"/>
+          <p:cNvPr id="238" name="Infrastructure"/>
           <p:cNvSpPr txBox="1"/>
           <p:nvPr/>
         </p:nvSpPr>
@@ -7653,7 +9860,7 @@
 </p:sld>
 </file>
 
-<file path=ppt/slides/slide4.xml><?xml version="1.0" encoding="utf-8"?>
+<file path=ppt/slides/slide7.xml><?xml version="1.0" encoding="utf-8"?>
 <p:sld xmlns:a="http://schemas.openxmlformats.org/drawingml/2006/main" xmlns:r="http://schemas.openxmlformats.org/officeDocument/2006/relationships" xmlns:p="http://schemas.openxmlformats.org/presentationml/2006/main" xmlns:m="http://schemas.openxmlformats.org/officeDocument/2006/math" xmlns:a14="http://schemas.microsoft.com/office/drawing/2010/main" showMasterSp="1" showMasterPhAnim="1">
   <p:cSld>
     <p:spTree>
@@ -7672,7 +9879,7 @@
       </p:grpSpPr>
       <p:sp>
         <p:nvSpPr>
-          <p:cNvPr id="215" name="Recent Changes in company:"/>
+          <p:cNvPr id="249" name="Recent Changes in company:"/>
           <p:cNvSpPr txBox="1"/>
           <p:nvPr/>
         </p:nvSpPr>
@@ -7717,35 +9924,35 @@
       </p:sp>
       <p:grpSp>
         <p:nvGrpSpPr>
-          <p:cNvPr id="249" name="Group"/>
+          <p:cNvPr id="283" name="Group"/>
           <p:cNvGrpSpPr/>
           <p:nvPr/>
         </p:nvGrpSpPr>
         <p:grpSpPr>
           <a:xfrm>
             <a:off x="2505334" y="3483231"/>
-            <a:ext cx="18461461" cy="7852118"/>
+            <a:ext cx="18461462" cy="8502644"/>
             <a:chOff x="0" y="0"/>
-            <a:chExt cx="18461461" cy="7852117"/>
+            <a:chExt cx="18461461" cy="8502643"/>
           </a:xfrm>
         </p:grpSpPr>
         <p:grpSp>
           <p:nvGrpSpPr>
-            <p:cNvPr id="241" name="Group"/>
+            <p:cNvPr id="275" name="Group"/>
             <p:cNvGrpSpPr/>
             <p:nvPr/>
           </p:nvGrpSpPr>
           <p:grpSpPr>
             <a:xfrm>
-              <a:off x="-1" y="-1"/>
-              <a:ext cx="14741013" cy="7852119"/>
+              <a:off x="0" y="-1"/>
+              <a:ext cx="15605915" cy="8502645"/>
               <a:chOff x="0" y="0"/>
-              <a:chExt cx="14741011" cy="7852117"/>
+              <a:chExt cx="15605914" cy="8502643"/>
             </a:xfrm>
           </p:grpSpPr>
           <p:sp>
             <p:nvSpPr>
-              <p:cNvPr id="216" name="Line"/>
+              <p:cNvPr id="250" name="Line"/>
               <p:cNvSpPr/>
               <p:nvPr/>
             </p:nvSpPr>
@@ -7789,7 +9996,7 @@
           </p:sp>
           <p:sp>
             <p:nvSpPr>
-              <p:cNvPr id="217" name="Line"/>
+              <p:cNvPr id="251" name="Line"/>
               <p:cNvSpPr/>
               <p:nvPr/>
             </p:nvSpPr>
@@ -7833,7 +10040,7 @@
           </p:sp>
           <p:sp>
             <p:nvSpPr>
-              <p:cNvPr id="218" name="Circle"/>
+              <p:cNvPr id="252" name="Circle"/>
               <p:cNvSpPr/>
               <p:nvPr/>
             </p:nvSpPr>
@@ -7876,7 +10083,7 @@
           </p:sp>
           <p:sp>
             <p:nvSpPr>
-              <p:cNvPr id="219" name="Circle"/>
+              <p:cNvPr id="253" name="Circle"/>
               <p:cNvSpPr/>
               <p:nvPr/>
             </p:nvSpPr>
@@ -7920,7 +10127,7 @@
           </p:sp>
           <p:sp>
             <p:nvSpPr>
-              <p:cNvPr id="220" name="Line"/>
+              <p:cNvPr id="254" name="Line"/>
               <p:cNvSpPr/>
               <p:nvPr/>
             </p:nvSpPr>
@@ -7964,7 +10171,7 @@
           </p:sp>
           <p:sp>
             <p:nvSpPr>
-              <p:cNvPr id="221" name="Circle"/>
+              <p:cNvPr id="255" name="Circle"/>
               <p:cNvSpPr/>
               <p:nvPr/>
             </p:nvSpPr>
@@ -8007,14 +10214,14 @@
           </p:sp>
           <p:sp>
             <p:nvSpPr>
-              <p:cNvPr id="222" name="Jan 2023: Matt Steinfort appointed as the CFO of the company.…"/>
+              <p:cNvPr id="256" name="Jan 2023: Matt Steinfort appointed as the CFO of the company.…"/>
               <p:cNvSpPr txBox="1"/>
               <p:nvPr/>
             </p:nvSpPr>
             <p:spPr>
               <a:xfrm>
-                <a:off x="942270" y="0"/>
-                <a:ext cx="4316769" cy="3354626"/>
+                <a:off x="227771" y="0"/>
+                <a:ext cx="5713758" cy="3354626"/>
               </a:xfrm>
               <a:prstGeom prst="rect">
                 <a:avLst/>
@@ -8038,7 +10245,7 @@
               <a:lstStyle/>
               <a:p>
                 <a:pPr>
-                  <a:defRPr sz="2300">
+                  <a:defRPr sz="2800">
                     <a:solidFill>
                       <a:srgbClr val="1AABD8"/>
                     </a:solidFill>
@@ -8054,7 +10261,7 @@
               </a:p>
               <a:p>
                 <a:pPr>
-                  <a:defRPr sz="2300">
+                  <a:defRPr sz="2800">
                     <a:solidFill>
                       <a:srgbClr val="1AABD8"/>
                     </a:solidFill>
@@ -8072,7 +10279,7 @@
           </p:sp>
           <p:sp>
             <p:nvSpPr>
-              <p:cNvPr id="223" name="Line"/>
+              <p:cNvPr id="257" name="Line"/>
               <p:cNvSpPr/>
               <p:nvPr/>
             </p:nvSpPr>
@@ -8116,7 +10323,7 @@
           </p:sp>
           <p:sp>
             <p:nvSpPr>
-              <p:cNvPr id="224" name="Circle"/>
+              <p:cNvPr id="258" name="Circle"/>
               <p:cNvSpPr/>
               <p:nvPr/>
             </p:nvSpPr>
@@ -8159,7 +10366,7 @@
           </p:sp>
           <p:sp>
             <p:nvSpPr>
-              <p:cNvPr id="225" name="Circle"/>
+              <p:cNvPr id="259" name="Circle"/>
               <p:cNvSpPr/>
               <p:nvPr/>
             </p:nvSpPr>
@@ -8203,7 +10410,7 @@
           </p:sp>
           <p:sp>
             <p:nvSpPr>
-              <p:cNvPr id="226" name="Line"/>
+              <p:cNvPr id="260" name="Line"/>
               <p:cNvSpPr/>
               <p:nvPr/>
             </p:nvSpPr>
@@ -8247,7 +10454,7 @@
           </p:sp>
           <p:sp>
             <p:nvSpPr>
-              <p:cNvPr id="227" name="Circle"/>
+              <p:cNvPr id="261" name="Circle"/>
               <p:cNvSpPr/>
               <p:nvPr/>
             </p:nvSpPr>
@@ -8290,14 +10497,14 @@
           </p:sp>
           <p:sp>
             <p:nvSpPr>
-              <p:cNvPr id="228" name="Feb 2023: Premium Intel CPUs are now available for CPU-Optimized Droplets your own text here"/>
+              <p:cNvPr id="262" name="Feb 2023: Premium Intel CPUs are now available for CPU-Optimized Droplets your own text here"/>
               <p:cNvSpPr txBox="1"/>
               <p:nvPr/>
             </p:nvSpPr>
             <p:spPr>
               <a:xfrm>
-                <a:off x="3543293" y="6328167"/>
-                <a:ext cx="5333610" cy="1523951"/>
+                <a:off x="2939216" y="6328167"/>
+                <a:ext cx="6386374" cy="2174477"/>
               </a:xfrm>
               <a:prstGeom prst="rect">
                 <a:avLst/>
@@ -8320,7 +10527,7 @@
               </a:bodyPr>
               <a:lstStyle>
                 <a:lvl1pPr>
-                  <a:defRPr sz="2300">
+                  <a:defRPr sz="2800">
                     <a:solidFill>
                       <a:srgbClr val="DA2409"/>
                     </a:solidFill>
@@ -8341,7 +10548,7 @@
           </p:sp>
           <p:sp>
             <p:nvSpPr>
-              <p:cNvPr id="229" name="Line"/>
+              <p:cNvPr id="263" name="Line"/>
               <p:cNvSpPr/>
               <p:nvPr/>
             </p:nvSpPr>
@@ -8385,7 +10592,7 @@
           </p:sp>
           <p:sp>
             <p:nvSpPr>
-              <p:cNvPr id="230" name="Circle"/>
+              <p:cNvPr id="264" name="Circle"/>
               <p:cNvSpPr/>
               <p:nvPr/>
             </p:nvSpPr>
@@ -8428,7 +10635,7 @@
           </p:sp>
           <p:sp>
             <p:nvSpPr>
-              <p:cNvPr id="231" name="Circle"/>
+              <p:cNvPr id="265" name="Circle"/>
               <p:cNvSpPr/>
               <p:nvPr/>
             </p:nvSpPr>
@@ -8472,7 +10679,7 @@
           </p:sp>
           <p:sp>
             <p:nvSpPr>
-              <p:cNvPr id="232" name="Line"/>
+              <p:cNvPr id="266" name="Line"/>
               <p:cNvSpPr/>
               <p:nvPr/>
             </p:nvSpPr>
@@ -8516,7 +10723,7 @@
           </p:sp>
           <p:sp>
             <p:nvSpPr>
-              <p:cNvPr id="233" name="Circle"/>
+              <p:cNvPr id="267" name="Circle"/>
               <p:cNvSpPr/>
               <p:nvPr/>
             </p:nvSpPr>
@@ -8559,14 +10766,14 @@
           </p:sp>
           <p:sp>
             <p:nvSpPr>
-              <p:cNvPr id="234" name="April 2023: Nancy Coleman appointed as senior VP of the the corporate operations…"/>
+              <p:cNvPr id="268" name="April 2023: Nancy Coleman appointed as senior VP of the the corporate operations."/>
               <p:cNvSpPr txBox="1"/>
               <p:nvPr/>
             </p:nvSpPr>
             <p:spPr>
               <a:xfrm>
-                <a:off x="6625646" y="1485711"/>
-                <a:ext cx="5279820" cy="871549"/>
+                <a:off x="6104241" y="791800"/>
+                <a:ext cx="6396090" cy="1629006"/>
               </a:xfrm>
               <a:prstGeom prst="rect">
                 <a:avLst/>
@@ -8587,10 +10794,9 @@
               <a:bodyPr wrap="square" lIns="50800" tIns="50800" rIns="50800" bIns="50800" numCol="1" anchor="ctr">
                 <a:noAutofit/>
               </a:bodyPr>
-              <a:lstStyle/>
-              <a:p>
-                <a:pPr>
-                  <a:defRPr sz="2300">
+              <a:lstStyle>
+                <a:lvl1pPr>
+                  <a:defRPr sz="2800">
                     <a:solidFill>
                       <a:srgbClr val="D99216"/>
                     </a:solidFill>
@@ -8599,32 +10805,19 @@
                     <a:cs typeface="Bodoni SvtyTwo ITC TT-Bold"/>
                     <a:sym typeface="Bodoni SvtyTwo ITC TT-Bold"/>
                   </a:defRPr>
-                </a:pPr>
+                </a:lvl1pPr>
+              </a:lstStyle>
+              <a:p>
+                <a:pPr/>
                 <a:r>
-                  <a:t>April 2023: Nancy Coleman appointed as senior VP of the the corporate operations</a:t>
-                </a:r>
-              </a:p>
-              <a:p>
-                <a:pPr>
-                  <a:defRPr sz="4000">
-                    <a:solidFill>
-                      <a:srgbClr val="D99216"/>
-                    </a:solidFill>
-                    <a:latin typeface="Baskerville"/>
-                    <a:ea typeface="Baskerville"/>
-                    <a:cs typeface="Baskerville"/>
-                    <a:sym typeface="Baskerville"/>
-                  </a:defRPr>
-                </a:pPr>
-                <a:r>
-                  <a:t>your own text here</a:t>
+                  <a:t>April 2023: Nancy Coleman appointed as senior VP of the the corporate operations.</a:t>
                 </a:r>
               </a:p>
             </p:txBody>
           </p:sp>
           <p:sp>
             <p:nvSpPr>
-              <p:cNvPr id="235" name="Line"/>
+              <p:cNvPr id="269" name="Line"/>
               <p:cNvSpPr/>
               <p:nvPr/>
             </p:nvSpPr>
@@ -8668,7 +10861,7 @@
           </p:sp>
           <p:sp>
             <p:nvSpPr>
-              <p:cNvPr id="236" name="Circle"/>
+              <p:cNvPr id="270" name="Circle"/>
               <p:cNvSpPr/>
               <p:nvPr/>
             </p:nvSpPr>
@@ -8711,7 +10904,7 @@
           </p:sp>
           <p:sp>
             <p:nvSpPr>
-              <p:cNvPr id="237" name="Circle"/>
+              <p:cNvPr id="271" name="Circle"/>
               <p:cNvSpPr/>
               <p:nvPr/>
             </p:nvSpPr>
@@ -8755,7 +10948,7 @@
           </p:sp>
           <p:sp>
             <p:nvSpPr>
-              <p:cNvPr id="238" name="Line"/>
+              <p:cNvPr id="272" name="Line"/>
               <p:cNvSpPr/>
               <p:nvPr/>
             </p:nvSpPr>
@@ -8799,7 +10992,7 @@
           </p:sp>
           <p:sp>
             <p:nvSpPr>
-              <p:cNvPr id="239" name="Circle"/>
+              <p:cNvPr id="273" name="Circle"/>
               <p:cNvSpPr/>
               <p:nvPr/>
             </p:nvSpPr>
@@ -8842,14 +11035,14 @@
           </p:sp>
           <p:sp>
             <p:nvSpPr>
-              <p:cNvPr id="240" name="May 2023: PostgreSQL is now available for database clusters"/>
+              <p:cNvPr id="274" name="May 2023: PostgreSQL is now available for database clusters"/>
               <p:cNvSpPr txBox="1"/>
               <p:nvPr/>
             </p:nvSpPr>
             <p:spPr>
               <a:xfrm>
-                <a:off x="10191710" y="6604872"/>
-                <a:ext cx="4476005" cy="871549"/>
+                <a:off x="9829182" y="6604872"/>
+                <a:ext cx="5776733" cy="1576652"/>
               </a:xfrm>
               <a:prstGeom prst="rect">
                 <a:avLst/>
@@ -8872,7 +11065,7 @@
               </a:bodyPr>
               <a:lstStyle>
                 <a:lvl1pPr>
-                  <a:defRPr sz="2300">
+                  <a:defRPr sz="2800">
                     <a:solidFill>
                       <a:srgbClr val="07B710"/>
                     </a:solidFill>
@@ -8894,7 +11087,7 @@
         </p:grpSp>
         <p:sp>
           <p:nvSpPr>
-            <p:cNvPr id="242" name="Line"/>
+            <p:cNvPr id="276" name="Line"/>
             <p:cNvSpPr/>
             <p:nvPr/>
           </p:nvSpPr>
@@ -8938,27 +11131,27 @@
         </p:sp>
         <p:grpSp>
           <p:nvGrpSpPr>
-            <p:cNvPr id="248" name="Group"/>
+            <p:cNvPr id="282" name="Group"/>
             <p:cNvGrpSpPr/>
             <p:nvPr/>
           </p:nvGrpSpPr>
           <p:grpSpPr>
             <a:xfrm>
-              <a:off x="13158784" y="1484019"/>
-              <a:ext cx="4225189" cy="3377074"/>
-              <a:chOff x="0" y="0"/>
-              <a:chExt cx="4225187" cy="3377072"/>
+              <a:off x="12444958" y="579498"/>
+              <a:ext cx="5666929" cy="4281595"/>
+              <a:chOff x="-1021884" y="-743493"/>
+              <a:chExt cx="5666927" cy="4281594"/>
             </a:xfrm>
           </p:grpSpPr>
           <p:sp>
             <p:nvSpPr>
-              <p:cNvPr id="243" name="Circle"/>
+              <p:cNvPr id="277" name="Circle"/>
               <p:cNvSpPr/>
               <p:nvPr/>
             </p:nvSpPr>
             <p:spPr>
               <a:xfrm flipH="1" rot="10800000">
-                <a:off x="1590299" y="2812714"/>
+                <a:off x="1282241" y="2973742"/>
                 <a:ext cx="376239" cy="376240"/>
               </a:xfrm>
               <a:prstGeom prst="ellipse">
@@ -8997,13 +11190,13 @@
           </p:sp>
           <p:sp>
             <p:nvSpPr>
-              <p:cNvPr id="244" name="Circle"/>
+              <p:cNvPr id="278" name="Circle"/>
               <p:cNvSpPr/>
               <p:nvPr/>
             </p:nvSpPr>
             <p:spPr>
               <a:xfrm flipH="1" rot="10800000">
-                <a:off x="1402180" y="2624595"/>
+                <a:off x="1094122" y="2785624"/>
                 <a:ext cx="752478" cy="752478"/>
               </a:xfrm>
               <a:prstGeom prst="ellipse">
@@ -9041,14 +11234,14 @@
           </p:sp>
           <p:sp>
             <p:nvSpPr>
-              <p:cNvPr id="245" name="Line"/>
+              <p:cNvPr id="279" name="Line"/>
               <p:cNvSpPr/>
               <p:nvPr/>
             </p:nvSpPr>
             <p:spPr>
               <a:xfrm flipH="1">
-                <a:off x="1778418" y="1102285"/>
-                <a:ext cx="1" cy="1548741"/>
+                <a:off x="1470360" y="1263313"/>
+                <a:ext cx="1" cy="1548742"/>
               </a:xfrm>
               <a:prstGeom prst="line">
                 <a:avLst/>
@@ -9085,14 +11278,14 @@
           </p:sp>
           <p:sp>
             <p:nvSpPr>
-              <p:cNvPr id="246" name="Circle"/>
+              <p:cNvPr id="280" name="Circle"/>
               <p:cNvSpPr/>
               <p:nvPr/>
             </p:nvSpPr>
             <p:spPr>
               <a:xfrm flipH="1" rot="10800000">
-                <a:off x="1684918" y="929832"/>
-                <a:ext cx="188120" cy="188120"/>
+                <a:off x="1376860" y="1090860"/>
+                <a:ext cx="188120" cy="188121"/>
               </a:xfrm>
               <a:prstGeom prst="ellipse">
                 <a:avLst/>
@@ -9128,14 +11321,14 @@
           </p:sp>
           <p:sp>
             <p:nvSpPr>
-              <p:cNvPr id="247" name="July 2023: DigitalOcean acquired Paperspace for $111 million."/>
+              <p:cNvPr id="281" name="July 2023: DigitalOcean acquired Paperspace for $111 million."/>
               <p:cNvSpPr txBox="1"/>
               <p:nvPr/>
             </p:nvSpPr>
             <p:spPr>
               <a:xfrm>
-                <a:off x="0" y="0"/>
-                <a:ext cx="4225188" cy="940597"/>
+                <a:off x="-1021885" y="-743494"/>
+                <a:ext cx="5666929" cy="1845119"/>
               </a:xfrm>
               <a:prstGeom prst="rect">
                 <a:avLst/>
@@ -9158,7 +11351,7 @@
               </a:bodyPr>
               <a:lstStyle>
                 <a:lvl1pPr>
-                  <a:defRPr sz="2300">
+                  <a:defRPr sz="2800">
                     <a:solidFill>
                       <a:srgbClr val="E61B12"/>
                     </a:solidFill>
@@ -9188,7 +11381,7 @@
 </p:sld>
 </file>
 
-<file path=ppt/slides/slide5.xml><?xml version="1.0" encoding="utf-8"?>
+<file path=ppt/slides/slide8.xml><?xml version="1.0" encoding="utf-8"?>
 <p:sld xmlns:a="http://schemas.openxmlformats.org/drawingml/2006/main" xmlns:r="http://schemas.openxmlformats.org/officeDocument/2006/relationships" xmlns:p="http://schemas.openxmlformats.org/presentationml/2006/main" xmlns:m="http://schemas.openxmlformats.org/officeDocument/2006/math" xmlns:a14="http://schemas.microsoft.com/office/drawing/2010/main" showMasterSp="1" showMasterPhAnim="1">
   <p:cSld>
     <p:spTree>
@@ -9207,695 +11400,14 @@
       </p:grpSpPr>
       <p:sp>
         <p:nvSpPr>
-          <p:cNvPr id="251" name="Evolution of DigitalOcean:"/>
+          <p:cNvPr id="285" name="Thank you"/>
           <p:cNvSpPr txBox="1"/>
           <p:nvPr/>
         </p:nvSpPr>
         <p:spPr>
           <a:xfrm>
-            <a:off x="1135720" y="1342386"/>
-            <a:ext cx="8794962" cy="889001"/>
-          </a:xfrm>
-          <a:prstGeom prst="rect">
-            <a:avLst/>
-          </a:prstGeom>
-          <a:ln w="12700">
-            <a:miter lim="400000"/>
-          </a:ln>
-          <a:extLst>
-            <a:ext uri="{C572A759-6A51-4108-AA02-DFA0A04FC94B}">
-              <ma14:wrappingTextBoxFlag xmlns:ma14="http://schemas.microsoft.com/office/mac/drawingml/2011/main" val="1"/>
-            </a:ext>
-          </a:extLst>
-        </p:spPr>
-        <p:txBody>
-          <a:bodyPr wrap="none" lIns="50800" tIns="50800" rIns="50800" bIns="50800" anchor="ctr">
-            <a:spAutoFit/>
-          </a:bodyPr>
-          <a:lstStyle>
-            <a:lvl1pPr>
-              <a:defRPr b="1" sz="5400">
-                <a:solidFill>
-                  <a:srgbClr val="D41844"/>
-                </a:solidFill>
-                <a:latin typeface="Baskerville"/>
-                <a:ea typeface="Baskerville"/>
-                <a:cs typeface="Baskerville"/>
-                <a:sym typeface="Baskerville"/>
-              </a:defRPr>
-            </a:lvl1pPr>
-          </a:lstStyle>
-          <a:p>
-            <a:pPr/>
-            <a:r>
-              <a:t>Evolution of DigitalOcean:</a:t>
-            </a:r>
-          </a:p>
-        </p:txBody>
-      </p:sp>
-      <p:sp>
-        <p:nvSpPr>
-          <p:cNvPr id="252" name="Arrow"/>
-          <p:cNvSpPr/>
-          <p:nvPr/>
-        </p:nvSpPr>
-        <p:spPr>
-          <a:xfrm>
-            <a:off x="5268345" y="5411340"/>
-            <a:ext cx="2352860" cy="1437170"/>
-          </a:xfrm>
-          <a:prstGeom prst="rightArrow">
-            <a:avLst>
-              <a:gd name="adj1" fmla="val 35503"/>
-              <a:gd name="adj2" fmla="val 55029"/>
-            </a:avLst>
-          </a:prstGeom>
-          <a:blipFill>
-            <a:blip r:embed="rId2"/>
-          </a:blipFill>
-          <a:ln w="12700">
-            <a:miter lim="400000"/>
-          </a:ln>
-          <a:effectLst>
-            <a:outerShdw sx="100000" sy="100000" kx="0" ky="0" algn="b" rotWithShape="0" blurRad="50800" dist="25400" dir="5400000">
-              <a:srgbClr val="000000">
-                <a:alpha val="25000"/>
-              </a:srgbClr>
-            </a:outerShdw>
-          </a:effectLst>
-        </p:spPr>
-        <p:txBody>
-          <a:bodyPr lIns="50800" tIns="50800" rIns="50800" bIns="50800" anchor="ctr"/>
-          <a:lstStyle/>
-          <a:p>
-            <a:pPr>
-              <a:defRPr sz="4200">
-                <a:solidFill>
-                  <a:srgbClr val="FFFFFF"/>
-                </a:solidFill>
-                <a:effectLst>
-                  <a:outerShdw sx="100000" sy="100000" kx="0" ky="0" algn="b" rotWithShape="0" blurRad="76200" dist="12700" dir="5400000">
-                    <a:srgbClr val="000000">
-                      <a:alpha val="50000"/>
-                    </a:srgbClr>
-                  </a:outerShdw>
-                </a:effectLst>
-              </a:defRPr>
-            </a:pPr>
-          </a:p>
-        </p:txBody>
-      </p:sp>
-      <p:pic>
-        <p:nvPicPr>
-          <p:cNvPr id="253" name="vps.png" descr="vps.png"/>
-          <p:cNvPicPr>
-            <a:picLocks noChangeAspect="1"/>
-          </p:cNvPicPr>
-          <p:nvPr/>
-        </p:nvPicPr>
-        <p:blipFill>
-          <a:blip r:embed="rId3">
-            <a:extLst/>
-          </a:blip>
-          <a:stretch>
-            <a:fillRect/>
-          </a:stretch>
-        </p:blipFill>
-        <p:spPr>
-          <a:xfrm>
-            <a:off x="1315079" y="3415919"/>
-            <a:ext cx="3867340" cy="2403008"/>
-          </a:xfrm>
-          <a:prstGeom prst="rect">
-            <a:avLst/>
-          </a:prstGeom>
-          <a:ln w="25400">
-            <a:miter lim="400000"/>
-          </a:ln>
-          <a:effectLst>
-            <a:outerShdw sx="100000" sy="100000" kx="0" ky="0" algn="b" rotWithShape="0" blurRad="254000" dist="127000" dir="5400000">
-              <a:srgbClr val="000000">
-                <a:alpha val="70000"/>
-              </a:srgbClr>
-            </a:outerShdw>
-          </a:effectLst>
-        </p:spPr>
-      </p:pic>
-      <p:sp>
-        <p:nvSpPr>
-          <p:cNvPr id="254" name="VPS Hosting (2012-2015)"/>
-          <p:cNvSpPr txBox="1"/>
-          <p:nvPr/>
-        </p:nvSpPr>
-        <p:spPr>
-          <a:xfrm>
-            <a:off x="828645" y="6271655"/>
-            <a:ext cx="4437913" cy="1670049"/>
-          </a:xfrm>
-          <a:prstGeom prst="rect">
-            <a:avLst/>
-          </a:prstGeom>
-          <a:ln w="12700">
-            <a:miter lim="400000"/>
-          </a:ln>
-          <a:extLst>
-            <a:ext uri="{C572A759-6A51-4108-AA02-DFA0A04FC94B}">
-              <ma14:wrappingTextBoxFlag xmlns:ma14="http://schemas.microsoft.com/office/mac/drawingml/2011/main" val="1"/>
-            </a:ext>
-          </a:extLst>
-        </p:spPr>
-        <p:txBody>
-          <a:bodyPr lIns="50800" tIns="50800" rIns="50800" bIns="50800" anchor="ctr">
-            <a:spAutoFit/>
-          </a:bodyPr>
-          <a:lstStyle>
-            <a:lvl1pPr>
-              <a:defRPr>
-                <a:latin typeface="Phosphate Inline"/>
-                <a:ea typeface="Phosphate Inline"/>
-                <a:cs typeface="Phosphate Inline"/>
-                <a:sym typeface="Phosphate Inline"/>
-              </a:defRPr>
-            </a:lvl1pPr>
-          </a:lstStyle>
-          <a:p>
-            <a:pPr/>
-            <a:r>
-              <a:t>VPS Hosting (2012-2015)</a:t>
-            </a:r>
-          </a:p>
-        </p:txBody>
-      </p:sp>
-      <p:pic>
-        <p:nvPicPr>
-          <p:cNvPr id="255" name="cloud_in.png" descr="cloud_in.png"/>
-          <p:cNvPicPr>
-            <a:picLocks noChangeAspect="1"/>
-          </p:cNvPicPr>
-          <p:nvPr/>
-        </p:nvPicPr>
-        <p:blipFill>
-          <a:blip r:embed="rId4">
-            <a:extLst/>
-          </a:blip>
-          <a:stretch>
-            <a:fillRect/>
-          </a:stretch>
-        </p:blipFill>
-        <p:spPr>
-          <a:xfrm>
-            <a:off x="9464776" y="3276420"/>
-            <a:ext cx="2682006" cy="2682006"/>
-          </a:xfrm>
-          <a:prstGeom prst="rect">
-            <a:avLst/>
-          </a:prstGeom>
-          <a:ln w="25400">
-            <a:miter lim="400000"/>
-          </a:ln>
-          <a:effectLst>
-            <a:outerShdw sx="100000" sy="100000" kx="0" ky="0" algn="b" rotWithShape="0" blurRad="254000" dist="127000" dir="5400000">
-              <a:srgbClr val="000000">
-                <a:alpha val="70000"/>
-              </a:srgbClr>
-            </a:outerShdw>
-          </a:effectLst>
-        </p:spPr>
-      </p:pic>
-      <p:sp>
-        <p:nvSpPr>
-          <p:cNvPr id="256" name="Cloud InfraStructure(2015-2018)"/>
-          <p:cNvSpPr txBox="1"/>
-          <p:nvPr/>
-        </p:nvSpPr>
-        <p:spPr>
-          <a:xfrm>
-            <a:off x="8293575" y="6298147"/>
-            <a:ext cx="5024409" cy="2470149"/>
-          </a:xfrm>
-          <a:prstGeom prst="rect">
-            <a:avLst/>
-          </a:prstGeom>
-          <a:ln w="12700">
-            <a:miter lim="400000"/>
-          </a:ln>
-          <a:extLst>
-            <a:ext uri="{C572A759-6A51-4108-AA02-DFA0A04FC94B}">
-              <ma14:wrappingTextBoxFlag xmlns:ma14="http://schemas.microsoft.com/office/mac/drawingml/2011/main" val="1"/>
-            </a:ext>
-          </a:extLst>
-        </p:spPr>
-        <p:txBody>
-          <a:bodyPr lIns="50800" tIns="50800" rIns="50800" bIns="50800" anchor="ctr">
-            <a:spAutoFit/>
-          </a:bodyPr>
-          <a:lstStyle>
-            <a:lvl1pPr>
-              <a:defRPr>
-                <a:latin typeface="Phosphate Inline"/>
-                <a:ea typeface="Phosphate Inline"/>
-                <a:cs typeface="Phosphate Inline"/>
-                <a:sym typeface="Phosphate Inline"/>
-              </a:defRPr>
-            </a:lvl1pPr>
-          </a:lstStyle>
-          <a:p>
-            <a:pPr/>
-            <a:r>
-              <a:t>Cloud InfraStructure(2015-2018)</a:t>
-            </a:r>
-          </a:p>
-        </p:txBody>
-      </p:sp>
-      <p:sp>
-        <p:nvSpPr>
-          <p:cNvPr id="257" name="Arrow"/>
-          <p:cNvSpPr/>
-          <p:nvPr/>
-        </p:nvSpPr>
-        <p:spPr>
-          <a:xfrm>
-            <a:off x="13475952" y="5411340"/>
-            <a:ext cx="2352859" cy="1437170"/>
-          </a:xfrm>
-          <a:prstGeom prst="rightArrow">
-            <a:avLst>
-              <a:gd name="adj1" fmla="val 35503"/>
-              <a:gd name="adj2" fmla="val 55029"/>
-            </a:avLst>
-          </a:prstGeom>
-          <a:blipFill>
-            <a:blip r:embed="rId5"/>
-          </a:blipFill>
-          <a:ln w="12700">
-            <a:miter lim="400000"/>
-          </a:ln>
-          <a:effectLst>
-            <a:outerShdw sx="100000" sy="100000" kx="0" ky="0" algn="b" rotWithShape="0" blurRad="50800" dist="25400" dir="5400000">
-              <a:srgbClr val="000000">
-                <a:alpha val="25000"/>
-              </a:srgbClr>
-            </a:outerShdw>
-          </a:effectLst>
-        </p:spPr>
-        <p:txBody>
-          <a:bodyPr lIns="50800" tIns="50800" rIns="50800" bIns="50800" anchor="ctr"/>
-          <a:lstStyle/>
-          <a:p>
-            <a:pPr>
-              <a:defRPr sz="4200">
-                <a:solidFill>
-                  <a:srgbClr val="FFFFFF"/>
-                </a:solidFill>
-                <a:effectLst>
-                  <a:outerShdw sx="100000" sy="100000" kx="0" ky="0" algn="b" rotWithShape="0" blurRad="76200" dist="12700" dir="5400000">
-                    <a:srgbClr val="000000">
-                      <a:alpha val="50000"/>
-                    </a:srgbClr>
-                  </a:outerShdw>
-                </a:effectLst>
-              </a:defRPr>
-            </a:pPr>
-          </a:p>
-        </p:txBody>
-      </p:sp>
-      <p:pic>
-        <p:nvPicPr>
-          <p:cNvPr id="258" name="cloud-settings.png" descr="cloud-settings.png"/>
-          <p:cNvPicPr>
-            <a:picLocks noChangeAspect="1"/>
-          </p:cNvPicPr>
-          <p:nvPr/>
-        </p:nvPicPr>
-        <p:blipFill>
-          <a:blip r:embed="rId6">
-            <a:extLst/>
-          </a:blip>
-          <a:stretch>
-            <a:fillRect/>
-          </a:stretch>
-        </p:blipFill>
-        <p:spPr>
-          <a:xfrm>
-            <a:off x="17157980" y="2966986"/>
-            <a:ext cx="3300874" cy="3300874"/>
-          </a:xfrm>
-          <a:prstGeom prst="rect">
-            <a:avLst/>
-          </a:prstGeom>
-          <a:ln w="25400">
-            <a:miter lim="400000"/>
-          </a:ln>
-          <a:effectLst>
-            <a:outerShdw sx="100000" sy="100000" kx="0" ky="0" algn="b" rotWithShape="0" blurRad="254000" dist="127000" dir="5400000">
-              <a:srgbClr val="000000">
-                <a:alpha val="70000"/>
-              </a:srgbClr>
-            </a:outerShdw>
-          </a:effectLst>
-        </p:spPr>
-      </p:pic>
-      <p:sp>
-        <p:nvSpPr>
-          <p:cNvPr id="259" name="Developer &amp;…"/>
-          <p:cNvSpPr txBox="1"/>
-          <p:nvPr/>
-        </p:nvSpPr>
-        <p:spPr>
-          <a:xfrm>
-            <a:off x="16345000" y="6298147"/>
-            <a:ext cx="5024410" cy="2470149"/>
-          </a:xfrm>
-          <a:prstGeom prst="rect">
-            <a:avLst/>
-          </a:prstGeom>
-          <a:ln w="12700">
-            <a:miter lim="400000"/>
-          </a:ln>
-          <a:extLst>
-            <a:ext uri="{C572A759-6A51-4108-AA02-DFA0A04FC94B}">
-              <ma14:wrappingTextBoxFlag xmlns:ma14="http://schemas.microsoft.com/office/mac/drawingml/2011/main" val="1"/>
-            </a:ext>
-          </a:extLst>
-        </p:spPr>
-        <p:txBody>
-          <a:bodyPr lIns="50800" tIns="50800" rIns="50800" bIns="50800" anchor="ctr">
-            <a:spAutoFit/>
-          </a:bodyPr>
-          <a:lstStyle/>
-          <a:p>
-            <a:pPr>
-              <a:defRPr>
-                <a:latin typeface="Phosphate Inline"/>
-                <a:ea typeface="Phosphate Inline"/>
-                <a:cs typeface="Phosphate Inline"/>
-                <a:sym typeface="Phosphate Inline"/>
-              </a:defRPr>
-            </a:pPr>
-            <a:r>
-              <a:t>Developer &amp; </a:t>
-            </a:r>
-          </a:p>
-          <a:p>
-            <a:pPr>
-              <a:defRPr>
-                <a:latin typeface="Phosphate Inline"/>
-                <a:ea typeface="Phosphate Inline"/>
-                <a:cs typeface="Phosphate Inline"/>
-                <a:sym typeface="Phosphate Inline"/>
-              </a:defRPr>
-            </a:pPr>
-            <a:r>
-              <a:t>SMB cloud</a:t>
-            </a:r>
-          </a:p>
-          <a:p>
-            <a:pPr>
-              <a:defRPr>
-                <a:latin typeface="Phosphate Inline"/>
-                <a:ea typeface="Phosphate Inline"/>
-                <a:cs typeface="Phosphate Inline"/>
-                <a:sym typeface="Phosphate Inline"/>
-              </a:defRPr>
-            </a:pPr>
-            <a:r>
-              <a:t>(2018-)</a:t>
-            </a:r>
-          </a:p>
-        </p:txBody>
-      </p:sp>
-      <p:sp>
-        <p:nvSpPr>
-          <p:cNvPr id="260" name="&gt; Droplets"/>
-          <p:cNvSpPr txBox="1"/>
-          <p:nvPr/>
-        </p:nvSpPr>
-        <p:spPr>
-          <a:xfrm>
-            <a:off x="1202453" y="9504777"/>
-            <a:ext cx="2452937" cy="535857"/>
-          </a:xfrm>
-          <a:prstGeom prst="rect">
-            <a:avLst/>
-          </a:prstGeom>
-          <a:ln w="12700">
-            <a:miter lim="400000"/>
-          </a:ln>
-          <a:extLst>
-            <a:ext uri="{C572A759-6A51-4108-AA02-DFA0A04FC94B}">
-              <ma14:wrappingTextBoxFlag xmlns:ma14="http://schemas.microsoft.com/office/mac/drawingml/2011/main" val="1"/>
-            </a:ext>
-          </a:extLst>
-        </p:spPr>
-        <p:txBody>
-          <a:bodyPr wrap="none" lIns="50800" tIns="50800" rIns="50800" bIns="50800" anchor="ctr">
-            <a:spAutoFit/>
-          </a:bodyPr>
-          <a:lstStyle>
-            <a:lvl1pPr>
-              <a:defRPr sz="3400">
-                <a:solidFill>
-                  <a:srgbClr val="3D51E2"/>
-                </a:solidFill>
-                <a:latin typeface="Rockwell Bold"/>
-                <a:ea typeface="Rockwell Bold"/>
-                <a:cs typeface="Rockwell Bold"/>
-                <a:sym typeface="Rockwell Bold"/>
-              </a:defRPr>
-            </a:lvl1pPr>
-          </a:lstStyle>
-          <a:p>
-            <a:pPr/>
-            <a:r>
-              <a:t>&gt; Droplets</a:t>
-            </a:r>
-          </a:p>
-        </p:txBody>
-      </p:sp>
-      <p:sp>
-        <p:nvSpPr>
-          <p:cNvPr id="261" name="&gt;Volume…"/>
-          <p:cNvSpPr txBox="1"/>
-          <p:nvPr/>
-        </p:nvSpPr>
-        <p:spPr>
-          <a:xfrm>
-            <a:off x="8360244" y="9410934"/>
-            <a:ext cx="3983845" cy="2097957"/>
-          </a:xfrm>
-          <a:prstGeom prst="rect">
-            <a:avLst/>
-          </a:prstGeom>
-          <a:ln w="12700">
-            <a:miter lim="400000"/>
-          </a:ln>
-          <a:extLst>
-            <a:ext uri="{C572A759-6A51-4108-AA02-DFA0A04FC94B}">
-              <ma14:wrappingTextBoxFlag xmlns:ma14="http://schemas.microsoft.com/office/mac/drawingml/2011/main" val="1"/>
-            </a:ext>
-          </a:extLst>
-        </p:spPr>
-        <p:txBody>
-          <a:bodyPr wrap="none" lIns="50800" tIns="50800" rIns="50800" bIns="50800" anchor="ctr">
-            <a:spAutoFit/>
-          </a:bodyPr>
-          <a:lstStyle/>
-          <a:p>
-            <a:pPr algn="l">
-              <a:defRPr sz="3400">
-                <a:solidFill>
-                  <a:srgbClr val="3D51E2"/>
-                </a:solidFill>
-                <a:latin typeface="Rockwell Bold"/>
-                <a:ea typeface="Rockwell Bold"/>
-                <a:cs typeface="Rockwell Bold"/>
-                <a:sym typeface="Rockwell Bold"/>
-              </a:defRPr>
-            </a:pPr>
-            <a:r>
-              <a:t>&gt;Volume</a:t>
-            </a:r>
-          </a:p>
-          <a:p>
-            <a:pPr algn="l">
-              <a:defRPr sz="3400">
-                <a:solidFill>
-                  <a:srgbClr val="3D51E2"/>
-                </a:solidFill>
-                <a:latin typeface="Rockwell Bold"/>
-                <a:ea typeface="Rockwell Bold"/>
-                <a:cs typeface="Rockwell Bold"/>
-                <a:sym typeface="Rockwell Bold"/>
-              </a:defRPr>
-            </a:pPr>
-            <a:r>
-              <a:t>&gt;Load Balancers</a:t>
-            </a:r>
-          </a:p>
-          <a:p>
-            <a:pPr algn="l">
-              <a:defRPr sz="3400">
-                <a:solidFill>
-                  <a:srgbClr val="3D51E2"/>
-                </a:solidFill>
-                <a:latin typeface="Rockwell Bold"/>
-                <a:ea typeface="Rockwell Bold"/>
-                <a:cs typeface="Rockwell Bold"/>
-                <a:sym typeface="Rockwell Bold"/>
-              </a:defRPr>
-            </a:pPr>
-            <a:r>
-              <a:t>&gt;Spaces</a:t>
-            </a:r>
-          </a:p>
-          <a:p>
-            <a:pPr algn="l">
-              <a:defRPr sz="3400">
-                <a:solidFill>
-                  <a:srgbClr val="3D51E2"/>
-                </a:solidFill>
-                <a:latin typeface="Rockwell Bold"/>
-                <a:ea typeface="Rockwell Bold"/>
-                <a:cs typeface="Rockwell Bold"/>
-                <a:sym typeface="Rockwell Bold"/>
-              </a:defRPr>
-            </a:pPr>
-            <a:r>
-              <a:t>&gt;Cloud Firewalls</a:t>
-            </a:r>
-          </a:p>
-        </p:txBody>
-      </p:sp>
-      <p:sp>
-        <p:nvSpPr>
-          <p:cNvPr id="262" name="&gt;Managed Databases…"/>
-          <p:cNvSpPr txBox="1"/>
-          <p:nvPr/>
-        </p:nvSpPr>
-        <p:spPr>
-          <a:xfrm>
-            <a:off x="16297408" y="9410934"/>
-            <a:ext cx="5022020" cy="2097957"/>
-          </a:xfrm>
-          <a:prstGeom prst="rect">
-            <a:avLst/>
-          </a:prstGeom>
-          <a:ln w="12700">
-            <a:miter lim="400000"/>
-          </a:ln>
-          <a:extLst>
-            <a:ext uri="{C572A759-6A51-4108-AA02-DFA0A04FC94B}">
-              <ma14:wrappingTextBoxFlag xmlns:ma14="http://schemas.microsoft.com/office/mac/drawingml/2011/main" val="1"/>
-            </a:ext>
-          </a:extLst>
-        </p:spPr>
-        <p:txBody>
-          <a:bodyPr wrap="none" lIns="50800" tIns="50800" rIns="50800" bIns="50800" anchor="ctr">
-            <a:spAutoFit/>
-          </a:bodyPr>
-          <a:lstStyle/>
-          <a:p>
-            <a:pPr algn="l">
-              <a:defRPr sz="3400">
-                <a:solidFill>
-                  <a:srgbClr val="3D51E2"/>
-                </a:solidFill>
-                <a:latin typeface="Rockwell Bold"/>
-                <a:ea typeface="Rockwell Bold"/>
-                <a:cs typeface="Rockwell Bold"/>
-                <a:sym typeface="Rockwell Bold"/>
-              </a:defRPr>
-            </a:pPr>
-            <a:r>
-              <a:t>&gt;Managed Databases</a:t>
-            </a:r>
-          </a:p>
-          <a:p>
-            <a:pPr algn="l">
-              <a:defRPr sz="3400">
-                <a:solidFill>
-                  <a:srgbClr val="3D51E2"/>
-                </a:solidFill>
-                <a:latin typeface="Rockwell Bold"/>
-                <a:ea typeface="Rockwell Bold"/>
-                <a:cs typeface="Rockwell Bold"/>
-                <a:sym typeface="Rockwell Bold"/>
-              </a:defRPr>
-            </a:pPr>
-            <a:r>
-              <a:t>&gt;Marketplace</a:t>
-            </a:r>
-          </a:p>
-          <a:p>
-            <a:pPr algn="l">
-              <a:defRPr sz="3400">
-                <a:solidFill>
-                  <a:srgbClr val="3D51E2"/>
-                </a:solidFill>
-                <a:latin typeface="Rockwell Bold"/>
-                <a:ea typeface="Rockwell Bold"/>
-                <a:cs typeface="Rockwell Bold"/>
-                <a:sym typeface="Rockwell Bold"/>
-              </a:defRPr>
-            </a:pPr>
-            <a:r>
-              <a:t>&gt;Manage Kubernetes</a:t>
-            </a:r>
-          </a:p>
-          <a:p>
-            <a:pPr algn="l">
-              <a:defRPr sz="3400">
-                <a:solidFill>
-                  <a:srgbClr val="3D51E2"/>
-                </a:solidFill>
-                <a:latin typeface="Rockwell Bold"/>
-                <a:ea typeface="Rockwell Bold"/>
-                <a:cs typeface="Rockwell Bold"/>
-                <a:sym typeface="Rockwell Bold"/>
-              </a:defRPr>
-            </a:pPr>
-            <a:r>
-              <a:t>&gt;App Platform</a:t>
-            </a:r>
-          </a:p>
-        </p:txBody>
-      </p:sp>
-    </p:spTree>
-  </p:cSld>
-  <p:clrMapOvr>
-    <a:masterClrMapping/>
-  </p:clrMapOvr>
-  <p:transition xmlns:p14="http://schemas.microsoft.com/office/powerpoint/2010/main" spd="med" advClick="1"/>
-</p:sld>
-</file>
-
-<file path=ppt/slides/slide6.xml><?xml version="1.0" encoding="utf-8"?>
-<p:sld xmlns:a="http://schemas.openxmlformats.org/drawingml/2006/main" xmlns:r="http://schemas.openxmlformats.org/officeDocument/2006/relationships" xmlns:p="http://schemas.openxmlformats.org/presentationml/2006/main" xmlns:m="http://schemas.openxmlformats.org/officeDocument/2006/math" xmlns:a14="http://schemas.microsoft.com/office/drawing/2010/main" showMasterSp="1" showMasterPhAnim="1">
-  <p:cSld>
-    <p:spTree>
-      <p:nvGrpSpPr>
-        <p:cNvPr id="1" name=""/>
-        <p:cNvGrpSpPr/>
-        <p:nvPr/>
-      </p:nvGrpSpPr>
-      <p:grpSpPr>
-        <a:xfrm>
-          <a:off x="0" y="0"/>
-          <a:ext cx="0" cy="0"/>
-          <a:chOff x="0" y="0"/>
-          <a:chExt cx="0" cy="0"/>
-        </a:xfrm>
-      </p:grpSpPr>
-      <p:sp>
-        <p:nvSpPr>
-          <p:cNvPr id="264" name="Thankyou"/>
-          <p:cNvSpPr txBox="1"/>
-          <p:nvPr/>
-        </p:nvSpPr>
-        <p:spPr>
-          <a:xfrm>
-            <a:off x="7267054" y="4972975"/>
-            <a:ext cx="9849892" cy="3390901"/>
+            <a:off x="7024836" y="4972975"/>
+            <a:ext cx="10334328" cy="3390901"/>
           </a:xfrm>
           <a:prstGeom prst="rect">
             <a:avLst/>
@@ -9921,7 +11433,7 @@
           <a:p>
             <a:pPr/>
             <a:r>
-              <a:t>Thankyou</a:t>
+              <a:t>Thank you</a:t>
             </a:r>
           </a:p>
         </p:txBody>
